--- a/courses/theory/slides/lec08-predlogic.pptx
+++ b/courses/theory/slides/lec08-predlogic.pptx
@@ -13404,8 +13404,8 @@
           </a:fontRef>
         </p:style>
       </p:cxnSp>
-      <mc:AlternateContent xmlns:mc="http://schemas.openxmlformats.org/markup-compatibility/2006">
-        <mc:Choice xmlns:a14="http://schemas.microsoft.com/office/drawing/2010/main" Requires="a14">
+      <mc:AlternateContent xmlns:mc="http://schemas.openxmlformats.org/markup-compatibility/2006" xmlns:a14="http://schemas.microsoft.com/office/drawing/2010/main">
+        <mc:Choice Requires="a14">
           <p:sp>
             <p:nvSpPr>
               <p:cNvPr id="14" name="文本框 13">
@@ -13477,7 +13477,7 @@
             </p:txBody>
           </p:sp>
         </mc:Choice>
-        <mc:Fallback>
+        <mc:Fallback xmlns="">
           <p:sp>
             <p:nvSpPr>
               <p:cNvPr id="14" name="文本框 13">
@@ -13522,8 +13522,8 @@
           </p:sp>
         </mc:Fallback>
       </mc:AlternateContent>
-      <mc:AlternateContent xmlns:mc="http://schemas.openxmlformats.org/markup-compatibility/2006">
-        <mc:Choice xmlns:a14="http://schemas.microsoft.com/office/drawing/2010/main" Requires="a14">
+      <mc:AlternateContent xmlns:mc="http://schemas.openxmlformats.org/markup-compatibility/2006" xmlns:a14="http://schemas.microsoft.com/office/drawing/2010/main">
+        <mc:Choice Requires="a14">
           <p:sp>
             <p:nvSpPr>
               <p:cNvPr id="16" name="文本框 15">
@@ -13593,7 +13593,7 @@
             </p:txBody>
           </p:sp>
         </mc:Choice>
-        <mc:Fallback>
+        <mc:Fallback xmlns="">
           <p:sp>
             <p:nvSpPr>
               <p:cNvPr id="16" name="文本框 15">
@@ -14122,8 +14122,8 @@
           </p:sp>
         </mc:Fallback>
       </mc:AlternateContent>
-      <mc:AlternateContent xmlns:mc="http://schemas.openxmlformats.org/markup-compatibility/2006">
-        <mc:Choice xmlns:a14="http://schemas.microsoft.com/office/drawing/2010/main" Requires="a14">
+      <mc:AlternateContent xmlns:mc="http://schemas.openxmlformats.org/markup-compatibility/2006" xmlns:a14="http://schemas.microsoft.com/office/drawing/2010/main">
+        <mc:Choice Requires="a14">
           <p:sp>
             <p:nvSpPr>
               <p:cNvPr id="20" name="文本框 19">
@@ -14350,7 +14350,7 @@
             </p:txBody>
           </p:sp>
         </mc:Choice>
-        <mc:Fallback>
+        <mc:Fallback xmlns="">
           <p:sp>
             <p:nvSpPr>
               <p:cNvPr id="20" name="文本框 19">
@@ -15470,8 +15470,8 @@
           </a:fontRef>
         </p:style>
       </p:cxnSp>
-      <mc:AlternateContent xmlns:mc="http://schemas.openxmlformats.org/markup-compatibility/2006">
-        <mc:Choice xmlns:a14="http://schemas.microsoft.com/office/drawing/2010/main" Requires="a14">
+      <mc:AlternateContent xmlns:mc="http://schemas.openxmlformats.org/markup-compatibility/2006" xmlns:a14="http://schemas.microsoft.com/office/drawing/2010/main">
+        <mc:Choice Requires="a14">
           <p:sp>
             <p:nvSpPr>
               <p:cNvPr id="35" name="文本框 34">
@@ -15543,7 +15543,7 @@
             </p:txBody>
           </p:sp>
         </mc:Choice>
-        <mc:Fallback>
+        <mc:Fallback xmlns="">
           <p:sp>
             <p:nvSpPr>
               <p:cNvPr id="35" name="文本框 34">
@@ -15588,8 +15588,8 @@
           </p:sp>
         </mc:Fallback>
       </mc:AlternateContent>
-      <mc:AlternateContent xmlns:mc="http://schemas.openxmlformats.org/markup-compatibility/2006">
-        <mc:Choice xmlns:a14="http://schemas.microsoft.com/office/drawing/2010/main" Requires="a14">
+      <mc:AlternateContent xmlns:mc="http://schemas.openxmlformats.org/markup-compatibility/2006" xmlns:a14="http://schemas.microsoft.com/office/drawing/2010/main">
+        <mc:Choice Requires="a14">
           <p:sp>
             <p:nvSpPr>
               <p:cNvPr id="37" name="文本框 36">
@@ -15661,7 +15661,7 @@
             </p:txBody>
           </p:sp>
         </mc:Choice>
-        <mc:Fallback>
+        <mc:Fallback xmlns="">
           <p:sp>
             <p:nvSpPr>
               <p:cNvPr id="37" name="文本框 36">
@@ -15706,8 +15706,8 @@
           </p:sp>
         </mc:Fallback>
       </mc:AlternateContent>
-      <mc:AlternateContent xmlns:mc="http://schemas.openxmlformats.org/markup-compatibility/2006">
-        <mc:Choice xmlns:a14="http://schemas.microsoft.com/office/drawing/2010/main" Requires="a14">
+      <mc:AlternateContent xmlns:mc="http://schemas.openxmlformats.org/markup-compatibility/2006" xmlns:a14="http://schemas.microsoft.com/office/drawing/2010/main">
+        <mc:Choice Requires="a14">
           <p:sp>
             <p:nvSpPr>
               <p:cNvPr id="38" name="文本框 37">
@@ -15942,7 +15942,7 @@
             </p:txBody>
           </p:sp>
         </mc:Choice>
-        <mc:Fallback>
+        <mc:Fallback xmlns="">
           <p:sp>
             <p:nvSpPr>
               <p:cNvPr id="38" name="文本框 37">
@@ -15987,8 +15987,8 @@
           </p:sp>
         </mc:Fallback>
       </mc:AlternateContent>
-      <mc:AlternateContent xmlns:mc="http://schemas.openxmlformats.org/markup-compatibility/2006">
-        <mc:Choice xmlns:a14="http://schemas.microsoft.com/office/drawing/2010/main" Requires="a14">
+      <mc:AlternateContent xmlns:mc="http://schemas.openxmlformats.org/markup-compatibility/2006" xmlns:a14="http://schemas.microsoft.com/office/drawing/2010/main">
+        <mc:Choice Requires="a14">
           <p:sp>
             <p:nvSpPr>
               <p:cNvPr id="39" name="文本框 38">
@@ -16053,7 +16053,7 @@
             </p:txBody>
           </p:sp>
         </mc:Choice>
-        <mc:Fallback>
+        <mc:Fallback xmlns="">
           <p:sp>
             <p:nvSpPr>
               <p:cNvPr id="39" name="文本框 38">
@@ -28974,8 +28974,8 @@
           </p:sp>
         </mc:Fallback>
       </mc:AlternateContent>
-      <mc:AlternateContent xmlns:mc="http://schemas.openxmlformats.org/markup-compatibility/2006" xmlns:a14="http://schemas.microsoft.com/office/drawing/2010/main">
-        <mc:Choice Requires="a14">
+      <mc:AlternateContent xmlns:mc="http://schemas.openxmlformats.org/markup-compatibility/2006">
+        <mc:Choice xmlns:a14="http://schemas.microsoft.com/office/drawing/2010/main" Requires="a14">
           <p:sp>
             <p:nvSpPr>
               <p:cNvPr id="19" name="内容占位符 2">
@@ -28992,7 +28992,7 @@
             </p:nvSpPr>
             <p:spPr bwMode="auto">
               <a:xfrm>
-                <a:off x="5145088" y="1981200"/>
+                <a:off x="5145954" y="1905000"/>
                 <a:ext cx="3770312" cy="4114800"/>
               </a:xfrm>
               <a:prstGeom prst="rect">
@@ -29776,7 +29776,7 @@
             </p:txBody>
           </p:sp>
         </mc:Choice>
-        <mc:Fallback xmlns="">
+        <mc:Fallback>
           <p:sp>
             <p:nvSpPr>
               <p:cNvPr id="19" name="内容占位符 2">
@@ -29793,7 +29793,7 @@
             </p:nvSpPr>
             <p:spPr bwMode="auto">
               <a:xfrm>
-                <a:off x="5145088" y="1981200"/>
+                <a:off x="5145954" y="1905000"/>
                 <a:ext cx="3770312" cy="4114800"/>
               </a:xfrm>
               <a:prstGeom prst="rect">
@@ -29802,7 +29802,7 @@
               <a:blipFill>
                 <a:blip r:embed="rId3"/>
                 <a:stretch>
-                  <a:fillRect l="-2349" t="-1235" b="-15741"/>
+                  <a:fillRect l="-2685" t="-1538" b="-15692"/>
                 </a:stretch>
               </a:blipFill>
               <a:ln>

--- a/courses/theory/slides/lec08-predlogic.pptx
+++ b/courses/theory/slides/lec08-predlogic.pptx
@@ -13404,8 +13404,8 @@
           </a:fontRef>
         </p:style>
       </p:cxnSp>
-      <mc:AlternateContent xmlns:mc="http://schemas.openxmlformats.org/markup-compatibility/2006" xmlns:a14="http://schemas.microsoft.com/office/drawing/2010/main">
-        <mc:Choice Requires="a14">
+      <mc:AlternateContent xmlns:mc="http://schemas.openxmlformats.org/markup-compatibility/2006">
+        <mc:Choice xmlns:a14="http://schemas.microsoft.com/office/drawing/2010/main" Requires="a14">
           <p:sp>
             <p:nvSpPr>
               <p:cNvPr id="14" name="文本框 13">
@@ -13477,7 +13477,7 @@
             </p:txBody>
           </p:sp>
         </mc:Choice>
-        <mc:Fallback xmlns="">
+        <mc:Fallback>
           <p:sp>
             <p:nvSpPr>
               <p:cNvPr id="14" name="文本框 13">
@@ -13522,8 +13522,8 @@
           </p:sp>
         </mc:Fallback>
       </mc:AlternateContent>
-      <mc:AlternateContent xmlns:mc="http://schemas.openxmlformats.org/markup-compatibility/2006" xmlns:a14="http://schemas.microsoft.com/office/drawing/2010/main">
-        <mc:Choice Requires="a14">
+      <mc:AlternateContent xmlns:mc="http://schemas.openxmlformats.org/markup-compatibility/2006">
+        <mc:Choice xmlns:a14="http://schemas.microsoft.com/office/drawing/2010/main" Requires="a14">
           <p:sp>
             <p:nvSpPr>
               <p:cNvPr id="16" name="文本框 15">
@@ -13593,7 +13593,7 @@
             </p:txBody>
           </p:sp>
         </mc:Choice>
-        <mc:Fallback xmlns="">
+        <mc:Fallback>
           <p:sp>
             <p:nvSpPr>
               <p:cNvPr id="16" name="文本框 15">
@@ -14122,8 +14122,8 @@
           </p:sp>
         </mc:Fallback>
       </mc:AlternateContent>
-      <mc:AlternateContent xmlns:mc="http://schemas.openxmlformats.org/markup-compatibility/2006" xmlns:a14="http://schemas.microsoft.com/office/drawing/2010/main">
-        <mc:Choice Requires="a14">
+      <mc:AlternateContent xmlns:mc="http://schemas.openxmlformats.org/markup-compatibility/2006">
+        <mc:Choice xmlns:a14="http://schemas.microsoft.com/office/drawing/2010/main" Requires="a14">
           <p:sp>
             <p:nvSpPr>
               <p:cNvPr id="20" name="文本框 19">
@@ -14350,7 +14350,7 @@
             </p:txBody>
           </p:sp>
         </mc:Choice>
-        <mc:Fallback xmlns="">
+        <mc:Fallback>
           <p:sp>
             <p:nvSpPr>
               <p:cNvPr id="20" name="文本框 19">
@@ -15470,8 +15470,8 @@
           </a:fontRef>
         </p:style>
       </p:cxnSp>
-      <mc:AlternateContent xmlns:mc="http://schemas.openxmlformats.org/markup-compatibility/2006" xmlns:a14="http://schemas.microsoft.com/office/drawing/2010/main">
-        <mc:Choice Requires="a14">
+      <mc:AlternateContent xmlns:mc="http://schemas.openxmlformats.org/markup-compatibility/2006">
+        <mc:Choice xmlns:a14="http://schemas.microsoft.com/office/drawing/2010/main" Requires="a14">
           <p:sp>
             <p:nvSpPr>
               <p:cNvPr id="35" name="文本框 34">
@@ -15543,7 +15543,7 @@
             </p:txBody>
           </p:sp>
         </mc:Choice>
-        <mc:Fallback xmlns="">
+        <mc:Fallback>
           <p:sp>
             <p:nvSpPr>
               <p:cNvPr id="35" name="文本框 34">
@@ -15588,8 +15588,8 @@
           </p:sp>
         </mc:Fallback>
       </mc:AlternateContent>
-      <mc:AlternateContent xmlns:mc="http://schemas.openxmlformats.org/markup-compatibility/2006" xmlns:a14="http://schemas.microsoft.com/office/drawing/2010/main">
-        <mc:Choice Requires="a14">
+      <mc:AlternateContent xmlns:mc="http://schemas.openxmlformats.org/markup-compatibility/2006">
+        <mc:Choice xmlns:a14="http://schemas.microsoft.com/office/drawing/2010/main" Requires="a14">
           <p:sp>
             <p:nvSpPr>
               <p:cNvPr id="37" name="文本框 36">
@@ -15661,7 +15661,7 @@
             </p:txBody>
           </p:sp>
         </mc:Choice>
-        <mc:Fallback xmlns="">
+        <mc:Fallback>
           <p:sp>
             <p:nvSpPr>
               <p:cNvPr id="37" name="文本框 36">
@@ -15706,8 +15706,8 @@
           </p:sp>
         </mc:Fallback>
       </mc:AlternateContent>
-      <mc:AlternateContent xmlns:mc="http://schemas.openxmlformats.org/markup-compatibility/2006" xmlns:a14="http://schemas.microsoft.com/office/drawing/2010/main">
-        <mc:Choice Requires="a14">
+      <mc:AlternateContent xmlns:mc="http://schemas.openxmlformats.org/markup-compatibility/2006">
+        <mc:Choice xmlns:a14="http://schemas.microsoft.com/office/drawing/2010/main" Requires="a14">
           <p:sp>
             <p:nvSpPr>
               <p:cNvPr id="38" name="文本框 37">
@@ -15942,7 +15942,7 @@
             </p:txBody>
           </p:sp>
         </mc:Choice>
-        <mc:Fallback xmlns="">
+        <mc:Fallback>
           <p:sp>
             <p:nvSpPr>
               <p:cNvPr id="38" name="文本框 37">
@@ -15987,8 +15987,8 @@
           </p:sp>
         </mc:Fallback>
       </mc:AlternateContent>
-      <mc:AlternateContent xmlns:mc="http://schemas.openxmlformats.org/markup-compatibility/2006" xmlns:a14="http://schemas.microsoft.com/office/drawing/2010/main">
-        <mc:Choice Requires="a14">
+      <mc:AlternateContent xmlns:mc="http://schemas.openxmlformats.org/markup-compatibility/2006">
+        <mc:Choice xmlns:a14="http://schemas.microsoft.com/office/drawing/2010/main" Requires="a14">
           <p:sp>
             <p:nvSpPr>
               <p:cNvPr id="39" name="文本框 38">
@@ -16053,7 +16053,7 @@
             </p:txBody>
           </p:sp>
         </mc:Choice>
-        <mc:Fallback xmlns="">
+        <mc:Fallback>
           <p:sp>
             <p:nvSpPr>
               <p:cNvPr id="39" name="文本框 38">
@@ -28974,8 +28974,8 @@
           </p:sp>
         </mc:Fallback>
       </mc:AlternateContent>
-      <mc:AlternateContent xmlns:mc="http://schemas.openxmlformats.org/markup-compatibility/2006">
-        <mc:Choice xmlns:a14="http://schemas.microsoft.com/office/drawing/2010/main" Requires="a14">
+      <mc:AlternateContent xmlns:mc="http://schemas.openxmlformats.org/markup-compatibility/2006" xmlns:a14="http://schemas.microsoft.com/office/drawing/2010/main">
+        <mc:Choice Requires="a14">
           <p:sp>
             <p:nvSpPr>
               <p:cNvPr id="19" name="内容占位符 2">
@@ -28992,7 +28992,7 @@
             </p:nvSpPr>
             <p:spPr bwMode="auto">
               <a:xfrm>
-                <a:off x="5145954" y="1905000"/>
+                <a:off x="5145088" y="1981200"/>
                 <a:ext cx="3770312" cy="4114800"/>
               </a:xfrm>
               <a:prstGeom prst="rect">
@@ -29776,7 +29776,7 @@
             </p:txBody>
           </p:sp>
         </mc:Choice>
-        <mc:Fallback>
+        <mc:Fallback xmlns="">
           <p:sp>
             <p:nvSpPr>
               <p:cNvPr id="19" name="内容占位符 2">
@@ -29793,7 +29793,7 @@
             </p:nvSpPr>
             <p:spPr bwMode="auto">
               <a:xfrm>
-                <a:off x="5145954" y="1905000"/>
+                <a:off x="5145088" y="1981200"/>
                 <a:ext cx="3770312" cy="4114800"/>
               </a:xfrm>
               <a:prstGeom prst="rect">
@@ -29802,7 +29802,7 @@
               <a:blipFill>
                 <a:blip r:embed="rId3"/>
                 <a:stretch>
-                  <a:fillRect l="-2685" t="-1538" b="-15692"/>
+                  <a:fillRect l="-2349" t="-1235" b="-15741"/>
                 </a:stretch>
               </a:blipFill>
               <a:ln>

--- a/courses/theory/slides/lec08-predlogic.pptx
+++ b/courses/theory/slides/lec08-predlogic.pptx
@@ -5,7 +5,7 @@
     <p:sldMasterId id="2147483649" r:id="rId1"/>
   </p:sldMasterIdLst>
   <p:handoutMasterIdLst>
-    <p:handoutMasterId r:id="rId30"/>
+    <p:handoutMasterId r:id="rId33"/>
   </p:handoutMasterIdLst>
   <p:sldIdLst>
     <p:sldId id="256" r:id="rId2"/>
@@ -36,6 +36,9 @@
     <p:sldId id="374" r:id="rId27"/>
     <p:sldId id="360" r:id="rId28"/>
     <p:sldId id="362" r:id="rId29"/>
+    <p:sldId id="375" r:id="rId30"/>
+    <p:sldId id="376" r:id="rId31"/>
+    <p:sldId id="377" r:id="rId32"/>
   </p:sldIdLst>
   <p:sldSz cx="9144000" cy="6858000" type="screen4x3"/>
   <p:notesSz cx="7099300" cy="10234613"/>
@@ -13404,8 +13407,8 @@
           </a:fontRef>
         </p:style>
       </p:cxnSp>
-      <mc:AlternateContent xmlns:mc="http://schemas.openxmlformats.org/markup-compatibility/2006">
-        <mc:Choice xmlns:a14="http://schemas.microsoft.com/office/drawing/2010/main" Requires="a14">
+      <mc:AlternateContent xmlns:mc="http://schemas.openxmlformats.org/markup-compatibility/2006" xmlns:a14="http://schemas.microsoft.com/office/drawing/2010/main">
+        <mc:Choice Requires="a14">
           <p:sp>
             <p:nvSpPr>
               <p:cNvPr id="14" name="文本框 13">
@@ -13477,7 +13480,7 @@
             </p:txBody>
           </p:sp>
         </mc:Choice>
-        <mc:Fallback>
+        <mc:Fallback xmlns="">
           <p:sp>
             <p:nvSpPr>
               <p:cNvPr id="14" name="文本框 13">
@@ -13522,8 +13525,8 @@
           </p:sp>
         </mc:Fallback>
       </mc:AlternateContent>
-      <mc:AlternateContent xmlns:mc="http://schemas.openxmlformats.org/markup-compatibility/2006">
-        <mc:Choice xmlns:a14="http://schemas.microsoft.com/office/drawing/2010/main" Requires="a14">
+      <mc:AlternateContent xmlns:mc="http://schemas.openxmlformats.org/markup-compatibility/2006" xmlns:a14="http://schemas.microsoft.com/office/drawing/2010/main">
+        <mc:Choice Requires="a14">
           <p:sp>
             <p:nvSpPr>
               <p:cNvPr id="16" name="文本框 15">
@@ -13593,7 +13596,7 @@
             </p:txBody>
           </p:sp>
         </mc:Choice>
-        <mc:Fallback>
+        <mc:Fallback xmlns="">
           <p:sp>
             <p:nvSpPr>
               <p:cNvPr id="16" name="文本框 15">
@@ -14122,8 +14125,8 @@
           </p:sp>
         </mc:Fallback>
       </mc:AlternateContent>
-      <mc:AlternateContent xmlns:mc="http://schemas.openxmlformats.org/markup-compatibility/2006">
-        <mc:Choice xmlns:a14="http://schemas.microsoft.com/office/drawing/2010/main" Requires="a14">
+      <mc:AlternateContent xmlns:mc="http://schemas.openxmlformats.org/markup-compatibility/2006" xmlns:a14="http://schemas.microsoft.com/office/drawing/2010/main">
+        <mc:Choice Requires="a14">
           <p:sp>
             <p:nvSpPr>
               <p:cNvPr id="20" name="文本框 19">
@@ -14350,7 +14353,7 @@
             </p:txBody>
           </p:sp>
         </mc:Choice>
-        <mc:Fallback>
+        <mc:Fallback xmlns="">
           <p:sp>
             <p:nvSpPr>
               <p:cNvPr id="20" name="文本框 19">
@@ -15470,8 +15473,8 @@
           </a:fontRef>
         </p:style>
       </p:cxnSp>
-      <mc:AlternateContent xmlns:mc="http://schemas.openxmlformats.org/markup-compatibility/2006">
-        <mc:Choice xmlns:a14="http://schemas.microsoft.com/office/drawing/2010/main" Requires="a14">
+      <mc:AlternateContent xmlns:mc="http://schemas.openxmlformats.org/markup-compatibility/2006" xmlns:a14="http://schemas.microsoft.com/office/drawing/2010/main">
+        <mc:Choice Requires="a14">
           <p:sp>
             <p:nvSpPr>
               <p:cNvPr id="35" name="文本框 34">
@@ -15543,7 +15546,7 @@
             </p:txBody>
           </p:sp>
         </mc:Choice>
-        <mc:Fallback>
+        <mc:Fallback xmlns="">
           <p:sp>
             <p:nvSpPr>
               <p:cNvPr id="35" name="文本框 34">
@@ -15588,8 +15591,8 @@
           </p:sp>
         </mc:Fallback>
       </mc:AlternateContent>
-      <mc:AlternateContent xmlns:mc="http://schemas.openxmlformats.org/markup-compatibility/2006">
-        <mc:Choice xmlns:a14="http://schemas.microsoft.com/office/drawing/2010/main" Requires="a14">
+      <mc:AlternateContent xmlns:mc="http://schemas.openxmlformats.org/markup-compatibility/2006" xmlns:a14="http://schemas.microsoft.com/office/drawing/2010/main">
+        <mc:Choice Requires="a14">
           <p:sp>
             <p:nvSpPr>
               <p:cNvPr id="37" name="文本框 36">
@@ -15661,7 +15664,7 @@
             </p:txBody>
           </p:sp>
         </mc:Choice>
-        <mc:Fallback>
+        <mc:Fallback xmlns="">
           <p:sp>
             <p:nvSpPr>
               <p:cNvPr id="37" name="文本框 36">
@@ -15706,8 +15709,8 @@
           </p:sp>
         </mc:Fallback>
       </mc:AlternateContent>
-      <mc:AlternateContent xmlns:mc="http://schemas.openxmlformats.org/markup-compatibility/2006">
-        <mc:Choice xmlns:a14="http://schemas.microsoft.com/office/drawing/2010/main" Requires="a14">
+      <mc:AlternateContent xmlns:mc="http://schemas.openxmlformats.org/markup-compatibility/2006" xmlns:a14="http://schemas.microsoft.com/office/drawing/2010/main">
+        <mc:Choice Requires="a14">
           <p:sp>
             <p:nvSpPr>
               <p:cNvPr id="38" name="文本框 37">
@@ -15942,7 +15945,7 @@
             </p:txBody>
           </p:sp>
         </mc:Choice>
-        <mc:Fallback>
+        <mc:Fallback xmlns="">
           <p:sp>
             <p:nvSpPr>
               <p:cNvPr id="38" name="文本框 37">
@@ -15987,8 +15990,8 @@
           </p:sp>
         </mc:Fallback>
       </mc:AlternateContent>
-      <mc:AlternateContent xmlns:mc="http://schemas.openxmlformats.org/markup-compatibility/2006">
-        <mc:Choice xmlns:a14="http://schemas.microsoft.com/office/drawing/2010/main" Requires="a14">
+      <mc:AlternateContent xmlns:mc="http://schemas.openxmlformats.org/markup-compatibility/2006" xmlns:a14="http://schemas.microsoft.com/office/drawing/2010/main">
+        <mc:Choice Requires="a14">
           <p:sp>
             <p:nvSpPr>
               <p:cNvPr id="39" name="文本框 38">
@@ -16053,7 +16056,7 @@
             </p:txBody>
           </p:sp>
         </mc:Choice>
-        <mc:Fallback>
+        <mc:Fallback xmlns="">
           <p:sp>
             <p:nvSpPr>
               <p:cNvPr id="39" name="文本框 38">
@@ -16565,354 +16568,496 @@
           </a:p>
         </p:txBody>
       </p:sp>
-      <p:sp>
-        <p:nvSpPr>
-          <p:cNvPr id="3" name="内容占位符 2">
-            <a:extLst>
-              <a:ext uri="{FF2B5EF4-FFF2-40B4-BE49-F238E27FC236}">
-                <a16:creationId xmlns:a16="http://schemas.microsoft.com/office/drawing/2014/main" id="{8EA67DCE-2389-6343-AFC1-54E1B9454D1E}"/>
-              </a:ext>
-            </a:extLst>
-          </p:cNvPr>
-          <p:cNvSpPr>
-            <a:spLocks noGrp="1"/>
-          </p:cNvSpPr>
-          <p:nvPr>
-            <p:ph idx="1"/>
-          </p:nvPr>
-        </p:nvSpPr>
-        <p:spPr/>
-        <p:txBody>
-          <a:bodyPr/>
-          <a:lstStyle/>
-          <a:p>
-            <a:r>
-              <a:rPr kumimoji="1" lang="en-US" altLang="zh-CN" dirty="0"/>
-              <a:t>Propositional</a:t>
-            </a:r>
-            <a:r>
-              <a:rPr kumimoji="1" lang="zh-CN" altLang="en-US" dirty="0"/>
-              <a:t> </a:t>
-            </a:r>
-            <a:r>
-              <a:rPr kumimoji="1" lang="en-US" altLang="zh-CN" dirty="0"/>
-              <a:t>logic</a:t>
-            </a:r>
-            <a:r>
-              <a:rPr kumimoji="1" lang="zh-CN" altLang="en-US" dirty="0"/>
-              <a:t> </a:t>
-            </a:r>
-            <a:r>
-              <a:rPr kumimoji="1" lang="en-US" altLang="zh-CN" dirty="0"/>
-              <a:t>is</a:t>
-            </a:r>
-            <a:r>
-              <a:rPr kumimoji="1" lang="zh-CN" altLang="en-US" dirty="0"/>
-              <a:t> </a:t>
-            </a:r>
-            <a:r>
-              <a:rPr kumimoji="1" lang="en-US" altLang="zh-CN" dirty="0"/>
-              <a:t>simple</a:t>
-            </a:r>
-            <a:r>
-              <a:rPr kumimoji="1" lang="zh-CN" altLang="en-US" dirty="0"/>
-              <a:t> </a:t>
-            </a:r>
-            <a:r>
-              <a:rPr kumimoji="1" lang="en-US" altLang="zh-CN" dirty="0"/>
-              <a:t>and</a:t>
-            </a:r>
-            <a:r>
-              <a:rPr kumimoji="1" lang="zh-CN" altLang="en-US" dirty="0"/>
-              <a:t> </a:t>
-            </a:r>
-            <a:r>
-              <a:rPr kumimoji="1" lang="en-US" altLang="zh-CN" dirty="0"/>
-              <a:t>can</a:t>
-            </a:r>
-            <a:r>
-              <a:rPr kumimoji="1" lang="zh-CN" altLang="en-US" dirty="0"/>
-              <a:t> </a:t>
-            </a:r>
-            <a:r>
-              <a:rPr kumimoji="1" lang="en-US" altLang="zh-CN" dirty="0"/>
-              <a:t>be</a:t>
-            </a:r>
-            <a:r>
-              <a:rPr kumimoji="1" lang="zh-CN" altLang="en-US" dirty="0"/>
-              <a:t> </a:t>
-            </a:r>
-            <a:r>
-              <a:rPr kumimoji="1" lang="en-US" altLang="zh-CN" dirty="0"/>
-              <a:t>implemented</a:t>
-            </a:r>
-            <a:r>
-              <a:rPr kumimoji="1" lang="zh-CN" altLang="en-US" dirty="0"/>
-              <a:t> </a:t>
-            </a:r>
-            <a:r>
-              <a:rPr kumimoji="1" lang="en-US" altLang="zh-CN" dirty="0"/>
-              <a:t>efficiently</a:t>
-            </a:r>
-          </a:p>
-          <a:p>
-            <a:pPr lvl="1"/>
-            <a:r>
-              <a:rPr kumimoji="1" lang="en-US" altLang="zh-CN" dirty="0"/>
-              <a:t>But</a:t>
-            </a:r>
-            <a:r>
-              <a:rPr kumimoji="1" lang="zh-CN" altLang="en-US" dirty="0"/>
-              <a:t> </a:t>
-            </a:r>
-            <a:r>
-              <a:rPr kumimoji="1" lang="en-US" altLang="zh-CN" dirty="0"/>
-              <a:t>not</a:t>
-            </a:r>
-            <a:r>
-              <a:rPr kumimoji="1" lang="zh-CN" altLang="en-US" dirty="0"/>
-              <a:t> </a:t>
-            </a:r>
-            <a:r>
-              <a:rPr kumimoji="1" lang="en-US" altLang="zh-CN" dirty="0"/>
-              <a:t>expressive</a:t>
-            </a:r>
-            <a:r>
-              <a:rPr kumimoji="1" lang="zh-CN" altLang="en-US" dirty="0"/>
-              <a:t> </a:t>
-            </a:r>
-            <a:r>
-              <a:rPr kumimoji="1" lang="en-US" altLang="zh-CN" dirty="0"/>
-              <a:t>enough</a:t>
-            </a:r>
-          </a:p>
-          <a:p>
-            <a:pPr lvl="2"/>
-            <a:r>
-              <a:rPr kumimoji="1" lang="en-US" altLang="zh-CN" dirty="0"/>
-              <a:t>Ex.,</a:t>
-            </a:r>
-            <a:r>
-              <a:rPr kumimoji="1" lang="zh-CN" altLang="en-US" dirty="0"/>
-              <a:t> </a:t>
-            </a:r>
-            <a:r>
-              <a:rPr kumimoji="1" lang="en-US" altLang="zh-CN" dirty="0"/>
-              <a:t>P-&gt;Q</a:t>
-            </a:r>
-            <a:r>
-              <a:rPr kumimoji="1" lang="zh-CN" altLang="en-US" dirty="0"/>
-              <a:t> </a:t>
-            </a:r>
-            <a:r>
-              <a:rPr kumimoji="1" lang="en-US" altLang="zh-CN" dirty="0"/>
-              <a:t>not</a:t>
-            </a:r>
-            <a:r>
-              <a:rPr kumimoji="1" lang="zh-CN" altLang="en-US" dirty="0"/>
-              <a:t> </a:t>
-            </a:r>
-            <a:r>
-              <a:rPr kumimoji="1" lang="en-US" altLang="zh-CN" dirty="0"/>
-              <a:t>valid</a:t>
-            </a:r>
-          </a:p>
-          <a:p>
-            <a:pPr lvl="2"/>
-            <a:r>
-              <a:rPr kumimoji="1" lang="en-US" altLang="zh-CN" dirty="0"/>
-              <a:t>But</a:t>
-            </a:r>
-            <a:r>
-              <a:rPr kumimoji="1" lang="zh-CN" altLang="en-US" dirty="0"/>
-              <a:t> </a:t>
-            </a:r>
-            <a:r>
-              <a:rPr kumimoji="1" lang="en-US" altLang="zh-CN" dirty="0"/>
-              <a:t>consider:</a:t>
-            </a:r>
-          </a:p>
-          <a:p>
-            <a:pPr lvl="3"/>
-            <a:r>
-              <a:rPr kumimoji="1" lang="en-US" altLang="zh-CN" dirty="0"/>
-              <a:t>(x&gt;0)</a:t>
-            </a:r>
-            <a:r>
-              <a:rPr kumimoji="1" lang="zh-CN" altLang="en-US" dirty="0"/>
-              <a:t> </a:t>
-            </a:r>
-            <a:r>
-              <a:rPr kumimoji="1" lang="en-US" altLang="zh-CN" dirty="0"/>
-              <a:t>-&gt;</a:t>
-            </a:r>
-            <a:r>
-              <a:rPr kumimoji="1" lang="zh-CN" altLang="en-US" dirty="0"/>
-              <a:t> </a:t>
-            </a:r>
-            <a:r>
-              <a:rPr kumimoji="1" lang="en-US" altLang="zh-CN" dirty="0"/>
-              <a:t>(x</a:t>
-            </a:r>
-            <a:r>
-              <a:rPr kumimoji="1" lang="zh-CN" altLang="en-US" dirty="0"/>
-              <a:t>*</a:t>
-            </a:r>
-            <a:r>
-              <a:rPr kumimoji="1" lang="en-US" altLang="zh-CN" dirty="0"/>
-              <a:t>x&gt;0)</a:t>
-            </a:r>
-          </a:p>
-          <a:p>
-            <a:pPr lvl="3"/>
-            <a:r>
-              <a:rPr kumimoji="1" lang="en-US" altLang="zh-CN" dirty="0"/>
-              <a:t>(x=y)</a:t>
-            </a:r>
-            <a:r>
-              <a:rPr kumimoji="1" lang="zh-CN" altLang="en-US" dirty="0"/>
-              <a:t> </a:t>
-            </a:r>
-            <a:r>
-              <a:rPr kumimoji="1" lang="en-US" altLang="zh-CN" dirty="0"/>
-              <a:t>-&gt;</a:t>
-            </a:r>
-            <a:r>
-              <a:rPr kumimoji="1" lang="zh-CN" altLang="en-US" dirty="0"/>
-              <a:t> </a:t>
-            </a:r>
-            <a:r>
-              <a:rPr kumimoji="1" lang="en-US" altLang="zh-CN" dirty="0"/>
-              <a:t>(y=x)</a:t>
-            </a:r>
-          </a:p>
-          <a:p>
-            <a:r>
-              <a:rPr kumimoji="1" lang="en-US" altLang="zh-CN" dirty="0"/>
-              <a:t>Predicate</a:t>
-            </a:r>
-            <a:r>
-              <a:rPr kumimoji="1" lang="zh-CN" altLang="en-US" dirty="0"/>
-              <a:t> </a:t>
-            </a:r>
-            <a:r>
-              <a:rPr kumimoji="1" lang="en-US" altLang="zh-CN" dirty="0"/>
-              <a:t>logic</a:t>
-            </a:r>
-            <a:r>
-              <a:rPr kumimoji="1" lang="zh-CN" altLang="en-US" dirty="0"/>
-              <a:t> </a:t>
-            </a:r>
-            <a:r>
-              <a:rPr kumimoji="1" lang="en-US" altLang="zh-CN" dirty="0"/>
-              <a:t>make</a:t>
-            </a:r>
-            <a:r>
-              <a:rPr kumimoji="1" lang="zh-CN" altLang="en-US" dirty="0"/>
-              <a:t> </a:t>
-            </a:r>
-            <a:r>
-              <a:rPr kumimoji="1" lang="en-US" altLang="zh-CN" dirty="0"/>
-              <a:t>these</a:t>
-            </a:r>
-            <a:r>
-              <a:rPr kumimoji="1" lang="zh-CN" altLang="en-US" dirty="0"/>
-              <a:t> </a:t>
-            </a:r>
-            <a:r>
-              <a:rPr kumimoji="1" lang="en-US" altLang="zh-CN" dirty="0"/>
-              <a:t>feasible</a:t>
-            </a:r>
-            <a:r>
-              <a:rPr kumimoji="1" lang="zh-CN" altLang="en-US" dirty="0"/>
-              <a:t> </a:t>
-            </a:r>
-            <a:r>
-              <a:rPr kumimoji="1" lang="en-US" altLang="zh-CN" dirty="0"/>
-              <a:t>to</a:t>
-            </a:r>
-            <a:r>
-              <a:rPr kumimoji="1" lang="zh-CN" altLang="en-US" dirty="0"/>
-              <a:t> </a:t>
-            </a:r>
-            <a:r>
-              <a:rPr kumimoji="1" lang="en-US" altLang="zh-CN" dirty="0"/>
-              <a:t>express</a:t>
-            </a:r>
-            <a:r>
-              <a:rPr kumimoji="1" lang="zh-CN" altLang="en-US" dirty="0"/>
-              <a:t> </a:t>
-            </a:r>
-            <a:r>
-              <a:rPr kumimoji="1" lang="en-US" altLang="zh-CN" dirty="0"/>
-              <a:t>and</a:t>
-            </a:r>
-            <a:r>
-              <a:rPr kumimoji="1" lang="zh-CN" altLang="en-US" dirty="0"/>
-              <a:t> </a:t>
-            </a:r>
-            <a:r>
-              <a:rPr kumimoji="1" lang="en-US" altLang="zh-CN" dirty="0"/>
-              <a:t>reason</a:t>
-            </a:r>
-            <a:r>
-              <a:rPr kumimoji="1" lang="zh-CN" altLang="en-US" dirty="0"/>
-              <a:t> </a:t>
-            </a:r>
-            <a:r>
-              <a:rPr kumimoji="1" lang="en-US" altLang="zh-CN" dirty="0"/>
-              <a:t>about</a:t>
-            </a:r>
-          </a:p>
-          <a:p>
-            <a:pPr lvl="1"/>
-            <a:r>
-              <a:rPr kumimoji="1" lang="en-US" altLang="zh-CN" dirty="0"/>
-              <a:t>And</a:t>
-            </a:r>
-            <a:r>
-              <a:rPr kumimoji="1" lang="zh-CN" altLang="en-US" dirty="0"/>
-              <a:t> </a:t>
-            </a:r>
-            <a:r>
-              <a:rPr kumimoji="1" lang="en-US" altLang="zh-CN" dirty="0"/>
-              <a:t>the</a:t>
-            </a:r>
-            <a:r>
-              <a:rPr kumimoji="1" lang="zh-CN" altLang="en-US" dirty="0"/>
-              <a:t> </a:t>
-            </a:r>
-            <a:r>
-              <a:rPr kumimoji="1" lang="en-US" altLang="zh-CN" dirty="0"/>
-              <a:t>satisfiability</a:t>
-            </a:r>
-            <a:r>
-              <a:rPr kumimoji="1" lang="zh-CN" altLang="en-US" dirty="0"/>
-              <a:t> </a:t>
-            </a:r>
-            <a:r>
-              <a:rPr kumimoji="1" lang="en-US" altLang="zh-CN" dirty="0"/>
-              <a:t>problem</a:t>
-            </a:r>
-            <a:r>
-              <a:rPr kumimoji="1" lang="zh-CN" altLang="en-US" dirty="0"/>
-              <a:t> </a:t>
-            </a:r>
-            <a:r>
-              <a:rPr kumimoji="1" lang="en-US" altLang="zh-CN" dirty="0"/>
-              <a:t>is</a:t>
-            </a:r>
-            <a:r>
-              <a:rPr kumimoji="1" lang="zh-CN" altLang="en-US" dirty="0"/>
-              <a:t> </a:t>
-            </a:r>
-            <a:r>
-              <a:rPr kumimoji="1" lang="en-US" altLang="zh-CN" dirty="0"/>
-              <a:t>SMT</a:t>
-            </a:r>
-          </a:p>
-        </p:txBody>
-      </p:sp>
+      <mc:AlternateContent xmlns:mc="http://schemas.openxmlformats.org/markup-compatibility/2006">
+        <mc:Choice xmlns:a14="http://schemas.microsoft.com/office/drawing/2010/main" Requires="a14">
+          <p:sp>
+            <p:nvSpPr>
+              <p:cNvPr id="3" name="内容占位符 2">
+                <a:extLst>
+                  <a:ext uri="{FF2B5EF4-FFF2-40B4-BE49-F238E27FC236}">
+                    <a16:creationId xmlns:a16="http://schemas.microsoft.com/office/drawing/2014/main" id="{8EA67DCE-2389-6343-AFC1-54E1B9454D1E}"/>
+                  </a:ext>
+                </a:extLst>
+              </p:cNvPr>
+              <p:cNvSpPr>
+                <a:spLocks noGrp="1"/>
+              </p:cNvSpPr>
+              <p:nvPr>
+                <p:ph idx="1"/>
+              </p:nvPr>
+            </p:nvSpPr>
+            <p:spPr/>
+            <p:txBody>
+              <a:bodyPr/>
+              <a:lstStyle/>
+              <a:p>
+                <a:r>
+                  <a:rPr kumimoji="1" lang="en-US" altLang="zh-CN" dirty="0"/>
+                  <a:t>Propositional</a:t>
+                </a:r>
+                <a:r>
+                  <a:rPr kumimoji="1" lang="zh-CN" altLang="en-US" dirty="0"/>
+                  <a:t> </a:t>
+                </a:r>
+                <a:r>
+                  <a:rPr kumimoji="1" lang="en-US" altLang="zh-CN" dirty="0"/>
+                  <a:t>logic</a:t>
+                </a:r>
+                <a:r>
+                  <a:rPr kumimoji="1" lang="zh-CN" altLang="en-US" dirty="0"/>
+                  <a:t> </a:t>
+                </a:r>
+                <a:r>
+                  <a:rPr kumimoji="1" lang="en-US" altLang="zh-CN" dirty="0"/>
+                  <a:t>is</a:t>
+                </a:r>
+                <a:r>
+                  <a:rPr kumimoji="1" lang="zh-CN" altLang="en-US" dirty="0"/>
+                  <a:t> </a:t>
+                </a:r>
+                <a:r>
+                  <a:rPr kumimoji="1" lang="en-US" altLang="zh-CN" dirty="0"/>
+                  <a:t>simple</a:t>
+                </a:r>
+                <a:r>
+                  <a:rPr kumimoji="1" lang="zh-CN" altLang="en-US" dirty="0"/>
+                  <a:t> </a:t>
+                </a:r>
+                <a:r>
+                  <a:rPr kumimoji="1" lang="en-US" altLang="zh-CN" dirty="0"/>
+                  <a:t>and</a:t>
+                </a:r>
+                <a:r>
+                  <a:rPr kumimoji="1" lang="zh-CN" altLang="en-US" dirty="0"/>
+                  <a:t> </a:t>
+                </a:r>
+                <a:r>
+                  <a:rPr kumimoji="1" lang="en-US" altLang="zh-CN" dirty="0"/>
+                  <a:t>can</a:t>
+                </a:r>
+                <a:r>
+                  <a:rPr kumimoji="1" lang="zh-CN" altLang="en-US" dirty="0"/>
+                  <a:t> </a:t>
+                </a:r>
+                <a:r>
+                  <a:rPr kumimoji="1" lang="en-US" altLang="zh-CN" dirty="0"/>
+                  <a:t>be</a:t>
+                </a:r>
+                <a:r>
+                  <a:rPr kumimoji="1" lang="zh-CN" altLang="en-US" dirty="0"/>
+                  <a:t> </a:t>
+                </a:r>
+                <a:r>
+                  <a:rPr kumimoji="1" lang="en-US" altLang="zh-CN" dirty="0"/>
+                  <a:t>implemented</a:t>
+                </a:r>
+                <a:r>
+                  <a:rPr kumimoji="1" lang="zh-CN" altLang="en-US" dirty="0"/>
+                  <a:t> </a:t>
+                </a:r>
+                <a:r>
+                  <a:rPr kumimoji="1" lang="en-US" altLang="zh-CN" dirty="0"/>
+                  <a:t>efficiently</a:t>
+                </a:r>
+              </a:p>
+              <a:p>
+                <a:pPr lvl="1"/>
+                <a:r>
+                  <a:rPr kumimoji="1" lang="en-US" altLang="zh-CN" dirty="0"/>
+                  <a:t>But</a:t>
+                </a:r>
+                <a:r>
+                  <a:rPr kumimoji="1" lang="zh-CN" altLang="en-US" dirty="0"/>
+                  <a:t> </a:t>
+                </a:r>
+                <a:r>
+                  <a:rPr kumimoji="1" lang="en-US" altLang="zh-CN" dirty="0"/>
+                  <a:t>not</a:t>
+                </a:r>
+                <a:r>
+                  <a:rPr kumimoji="1" lang="zh-CN" altLang="en-US" dirty="0"/>
+                  <a:t> </a:t>
+                </a:r>
+                <a:r>
+                  <a:rPr kumimoji="1" lang="en-US" altLang="zh-CN" dirty="0"/>
+                  <a:t>expressive</a:t>
+                </a:r>
+                <a:r>
+                  <a:rPr kumimoji="1" lang="zh-CN" altLang="en-US" dirty="0"/>
+                  <a:t> </a:t>
+                </a:r>
+                <a:r>
+                  <a:rPr kumimoji="1" lang="en-US" altLang="zh-CN" dirty="0"/>
+                  <a:t>enough</a:t>
+                </a:r>
+              </a:p>
+              <a:p>
+                <a:pPr lvl="2"/>
+                <a:r>
+                  <a:rPr kumimoji="1" lang="en-US" altLang="zh-CN" dirty="0"/>
+                  <a:t>E.g.,</a:t>
+                </a:r>
+                <a:r>
+                  <a:rPr kumimoji="1" lang="zh-CN" altLang="en-US" dirty="0"/>
+                  <a:t> </a:t>
+                </a:r>
+                <a:r>
+                  <a:rPr kumimoji="1" lang="en-US" altLang="zh-CN" dirty="0">
+                    <a:solidFill>
+                      <a:srgbClr val="0432FF"/>
+                    </a:solidFill>
+                  </a:rPr>
+                  <a:t>P</a:t>
+                </a:r>
+                <a:r>
+                  <a:rPr kumimoji="1" lang="zh-CN" altLang="en-US" dirty="0">
+                    <a:solidFill>
+                      <a:srgbClr val="0432FF"/>
+                    </a:solidFill>
+                  </a:rPr>
+                  <a:t> </a:t>
+                </a:r>
+                <a14:m>
+                  <m:oMath xmlns:m="http://schemas.openxmlformats.org/officeDocument/2006/math">
+                    <m:r>
+                      <a:rPr kumimoji="1" lang="zh-CN" altLang="en-US" i="1" smtClean="0">
+                        <a:solidFill>
+                          <a:srgbClr val="0432FF"/>
+                        </a:solidFill>
+                        <a:latin typeface="Cambria Math" panose="02040503050406030204" pitchFamily="18" charset="0"/>
+                      </a:rPr>
+                      <m:t>→ </m:t>
+                    </m:r>
+                  </m:oMath>
+                </a14:m>
+                <a:r>
+                  <a:rPr kumimoji="1" lang="en-US" altLang="zh-CN" dirty="0">
+                    <a:solidFill>
+                      <a:srgbClr val="0432FF"/>
+                    </a:solidFill>
+                  </a:rPr>
+                  <a:t>Q</a:t>
+                </a:r>
+                <a:r>
+                  <a:rPr kumimoji="1" lang="zh-CN" altLang="en-US" dirty="0"/>
+                  <a:t> </a:t>
+                </a:r>
+                <a:r>
+                  <a:rPr kumimoji="1" lang="en-US" altLang="zh-CN" dirty="0"/>
+                  <a:t>not</a:t>
+                </a:r>
+                <a:r>
+                  <a:rPr kumimoji="1" lang="zh-CN" altLang="en-US" dirty="0"/>
+                  <a:t> </a:t>
+                </a:r>
+                <a:r>
+                  <a:rPr kumimoji="1" lang="en-US" altLang="zh-CN" dirty="0"/>
+                  <a:t>valid</a:t>
+                </a:r>
+              </a:p>
+              <a:p>
+                <a:pPr lvl="2"/>
+                <a:r>
+                  <a:rPr kumimoji="1" lang="en-US" altLang="zh-CN" dirty="0"/>
+                  <a:t>But</a:t>
+                </a:r>
+                <a:r>
+                  <a:rPr kumimoji="1" lang="zh-CN" altLang="en-US" dirty="0"/>
+                  <a:t> </a:t>
+                </a:r>
+                <a:r>
+                  <a:rPr kumimoji="1" lang="en-US" altLang="zh-CN" dirty="0"/>
+                  <a:t>consider:</a:t>
+                </a:r>
+              </a:p>
+              <a:p>
+                <a:pPr lvl="3"/>
+                <a:r>
+                  <a:rPr kumimoji="1" lang="en-US" altLang="zh-CN" dirty="0">
+                    <a:solidFill>
+                      <a:srgbClr val="0432FF"/>
+                    </a:solidFill>
+                  </a:rPr>
+                  <a:t>(x&gt;0)</a:t>
+                </a:r>
+                <a:r>
+                  <a:rPr kumimoji="1" lang="zh-CN" altLang="en-US" dirty="0">
+                    <a:solidFill>
+                      <a:srgbClr val="0432FF"/>
+                    </a:solidFill>
+                  </a:rPr>
+                  <a:t> </a:t>
+                </a:r>
+                <a14:m>
+                  <m:oMath xmlns:m="http://schemas.openxmlformats.org/officeDocument/2006/math">
+                    <m:r>
+                      <a:rPr kumimoji="1" lang="zh-CN" altLang="en-US" i="1" smtClean="0">
+                        <a:solidFill>
+                          <a:srgbClr val="0432FF"/>
+                        </a:solidFill>
+                        <a:latin typeface="Cambria Math" panose="02040503050406030204" pitchFamily="18" charset="0"/>
+                      </a:rPr>
+                      <m:t>→</m:t>
+                    </m:r>
+                  </m:oMath>
+                </a14:m>
+                <a:r>
+                  <a:rPr kumimoji="1" lang="zh-CN" altLang="en-US" dirty="0">
+                    <a:solidFill>
+                      <a:srgbClr val="0432FF"/>
+                    </a:solidFill>
+                  </a:rPr>
+                  <a:t> </a:t>
+                </a:r>
+                <a:r>
+                  <a:rPr kumimoji="1" lang="en-US" altLang="zh-CN" dirty="0">
+                    <a:solidFill>
+                      <a:srgbClr val="0432FF"/>
+                    </a:solidFill>
+                  </a:rPr>
+                  <a:t>(x</a:t>
+                </a:r>
+                <a:r>
+                  <a:rPr kumimoji="1" lang="zh-CN" altLang="en-US" dirty="0">
+                    <a:solidFill>
+                      <a:srgbClr val="0432FF"/>
+                    </a:solidFill>
+                  </a:rPr>
+                  <a:t>*</a:t>
+                </a:r>
+                <a:r>
+                  <a:rPr kumimoji="1" lang="en-US" altLang="zh-CN" dirty="0">
+                    <a:solidFill>
+                      <a:srgbClr val="0432FF"/>
+                    </a:solidFill>
+                  </a:rPr>
+                  <a:t>x&gt;0)</a:t>
+                </a:r>
+              </a:p>
+              <a:p>
+                <a:pPr lvl="3"/>
+                <a:r>
+                  <a:rPr kumimoji="1" lang="en-US" altLang="zh-CN" dirty="0">
+                    <a:solidFill>
+                      <a:srgbClr val="0432FF"/>
+                    </a:solidFill>
+                  </a:rPr>
+                  <a:t>(x=y)</a:t>
+                </a:r>
+                <a:r>
+                  <a:rPr kumimoji="1" lang="zh-CN" altLang="en-US" dirty="0">
+                    <a:solidFill>
+                      <a:srgbClr val="0432FF"/>
+                    </a:solidFill>
+                  </a:rPr>
+                  <a:t> </a:t>
+                </a:r>
+                <a14:m>
+                  <m:oMath xmlns:m="http://schemas.openxmlformats.org/officeDocument/2006/math">
+                    <m:r>
+                      <a:rPr kumimoji="1" lang="zh-CN" altLang="en-US" i="1" smtClean="0">
+                        <a:solidFill>
+                          <a:srgbClr val="0432FF"/>
+                        </a:solidFill>
+                        <a:latin typeface="Cambria Math" panose="02040503050406030204" pitchFamily="18" charset="0"/>
+                      </a:rPr>
+                      <m:t>→</m:t>
+                    </m:r>
+                  </m:oMath>
+                </a14:m>
+                <a:r>
+                  <a:rPr kumimoji="1" lang="zh-CN" altLang="en-US" dirty="0">
+                    <a:solidFill>
+                      <a:srgbClr val="0432FF"/>
+                    </a:solidFill>
+                  </a:rPr>
+                  <a:t> </a:t>
+                </a:r>
+                <a:r>
+                  <a:rPr kumimoji="1" lang="en-US" altLang="zh-CN" dirty="0">
+                    <a:solidFill>
+                      <a:srgbClr val="0432FF"/>
+                    </a:solidFill>
+                  </a:rPr>
+                  <a:t>(y=x)</a:t>
+                </a:r>
+              </a:p>
+              <a:p>
+                <a:r>
+                  <a:rPr kumimoji="1" lang="en-US" altLang="zh-CN" dirty="0"/>
+                  <a:t>Predicate</a:t>
+                </a:r>
+                <a:r>
+                  <a:rPr kumimoji="1" lang="zh-CN" altLang="en-US" dirty="0"/>
+                  <a:t> </a:t>
+                </a:r>
+                <a:r>
+                  <a:rPr kumimoji="1" lang="en-US" altLang="zh-CN" dirty="0"/>
+                  <a:t>logic</a:t>
+                </a:r>
+                <a:r>
+                  <a:rPr kumimoji="1" lang="zh-CN" altLang="en-US" dirty="0"/>
+                  <a:t> </a:t>
+                </a:r>
+                <a:r>
+                  <a:rPr kumimoji="1" lang="en-US" altLang="zh-CN" dirty="0"/>
+                  <a:t>make</a:t>
+                </a:r>
+                <a:r>
+                  <a:rPr kumimoji="1" lang="zh-CN" altLang="en-US" dirty="0"/>
+                  <a:t> </a:t>
+                </a:r>
+                <a:r>
+                  <a:rPr kumimoji="1" lang="en-US" altLang="zh-CN" dirty="0"/>
+                  <a:t>it</a:t>
+                </a:r>
+                <a:r>
+                  <a:rPr kumimoji="1" lang="zh-CN" altLang="en-US" dirty="0"/>
+                  <a:t> </a:t>
+                </a:r>
+                <a:r>
+                  <a:rPr kumimoji="1" lang="en-US" altLang="zh-CN" dirty="0"/>
+                  <a:t>feasible</a:t>
+                </a:r>
+                <a:r>
+                  <a:rPr kumimoji="1" lang="zh-CN" altLang="en-US" dirty="0"/>
+                  <a:t> </a:t>
+                </a:r>
+                <a:r>
+                  <a:rPr kumimoji="1" lang="en-US" altLang="zh-CN" dirty="0"/>
+                  <a:t>to</a:t>
+                </a:r>
+                <a:r>
+                  <a:rPr kumimoji="1" lang="zh-CN" altLang="en-US" dirty="0"/>
+                  <a:t> </a:t>
+                </a:r>
+                <a:r>
+                  <a:rPr kumimoji="1" lang="en-US" altLang="zh-CN" dirty="0"/>
+                  <a:t>express</a:t>
+                </a:r>
+                <a:r>
+                  <a:rPr kumimoji="1" lang="zh-CN" altLang="en-US" dirty="0"/>
+                  <a:t> </a:t>
+                </a:r>
+                <a:r>
+                  <a:rPr kumimoji="1" lang="en-US" altLang="zh-CN" dirty="0"/>
+                  <a:t>and</a:t>
+                </a:r>
+                <a:r>
+                  <a:rPr kumimoji="1" lang="zh-CN" altLang="en-US" dirty="0"/>
+                  <a:t> </a:t>
+                </a:r>
+                <a:r>
+                  <a:rPr kumimoji="1" lang="en-US" altLang="zh-CN" dirty="0"/>
+                  <a:t>reason</a:t>
+                </a:r>
+                <a:r>
+                  <a:rPr kumimoji="1" lang="zh-CN" altLang="en-US" dirty="0"/>
+                  <a:t> </a:t>
+                </a:r>
+                <a:r>
+                  <a:rPr kumimoji="1" lang="en-US" altLang="zh-CN" dirty="0"/>
+                  <a:t>about</a:t>
+                </a:r>
+                <a:r>
+                  <a:rPr kumimoji="1" lang="zh-CN" altLang="en-US" dirty="0"/>
+                  <a:t> </a:t>
+                </a:r>
+                <a:r>
+                  <a:rPr kumimoji="1" lang="en-US" altLang="zh-CN" dirty="0"/>
+                  <a:t>these</a:t>
+                </a:r>
+              </a:p>
+              <a:p>
+                <a:pPr lvl="1"/>
+                <a:r>
+                  <a:rPr kumimoji="1" lang="en-US" altLang="zh-CN" dirty="0"/>
+                  <a:t>And</a:t>
+                </a:r>
+                <a:r>
+                  <a:rPr kumimoji="1" lang="zh-CN" altLang="en-US" dirty="0"/>
+                  <a:t> </a:t>
+                </a:r>
+                <a:r>
+                  <a:rPr kumimoji="1" lang="en-US" altLang="zh-CN" dirty="0"/>
+                  <a:t>the</a:t>
+                </a:r>
+                <a:r>
+                  <a:rPr kumimoji="1" lang="zh-CN" altLang="en-US" dirty="0"/>
+                  <a:t> </a:t>
+                </a:r>
+                <a:r>
+                  <a:rPr kumimoji="1" lang="en-US" altLang="zh-CN" dirty="0"/>
+                  <a:t>satisfiability</a:t>
+                </a:r>
+                <a:r>
+                  <a:rPr kumimoji="1" lang="zh-CN" altLang="en-US" dirty="0"/>
+                  <a:t> </a:t>
+                </a:r>
+                <a:r>
+                  <a:rPr kumimoji="1" lang="en-US" altLang="zh-CN" dirty="0"/>
+                  <a:t>problem</a:t>
+                </a:r>
+                <a:r>
+                  <a:rPr kumimoji="1" lang="zh-CN" altLang="en-US" dirty="0"/>
+                  <a:t> </a:t>
+                </a:r>
+                <a:r>
+                  <a:rPr kumimoji="1" lang="en-US" altLang="zh-CN" dirty="0"/>
+                  <a:t>is</a:t>
+                </a:r>
+                <a:r>
+                  <a:rPr kumimoji="1" lang="zh-CN" altLang="en-US" dirty="0"/>
+                  <a:t> </a:t>
+                </a:r>
+                <a:r>
+                  <a:rPr kumimoji="1" lang="en-US" altLang="zh-CN" dirty="0"/>
+                  <a:t>SMT</a:t>
+                </a:r>
+              </a:p>
+            </p:txBody>
+          </p:sp>
+        </mc:Choice>
+        <mc:Fallback>
+          <p:sp>
+            <p:nvSpPr>
+              <p:cNvPr id="3" name="内容占位符 2">
+                <a:extLst>
+                  <a:ext uri="{FF2B5EF4-FFF2-40B4-BE49-F238E27FC236}">
+                    <a16:creationId xmlns:a16="http://schemas.microsoft.com/office/drawing/2014/main" id="{8EA67DCE-2389-6343-AFC1-54E1B9454D1E}"/>
+                  </a:ext>
+                </a:extLst>
+              </p:cNvPr>
+              <p:cNvSpPr>
+                <a:spLocks noGrp="1" noRot="1" noChangeAspect="1" noMove="1" noResize="1" noEditPoints="1" noAdjustHandles="1" noChangeArrowheads="1" noChangeShapeType="1" noTextEdit="1"/>
+              </p:cNvSpPr>
+              <p:nvPr>
+                <p:ph idx="1"/>
+              </p:nvPr>
+            </p:nvSpPr>
+            <p:spPr>
+              <a:blipFill>
+                <a:blip r:embed="rId2"/>
+                <a:stretch>
+                  <a:fillRect l="-653" t="-1846" b="-20308"/>
+                </a:stretch>
+              </a:blipFill>
+            </p:spPr>
+            <p:txBody>
+              <a:bodyPr/>
+              <a:lstStyle/>
+              <a:p>
+                <a:r>
+                  <a:rPr lang="zh-CN" altLang="en-US">
+                    <a:noFill/>
+                  </a:rPr>
+                  <a:t> </a:t>
+                </a:r>
+              </a:p>
+            </p:txBody>
+          </p:sp>
+        </mc:Fallback>
+      </mc:AlternateContent>
     </p:spTree>
     <p:extLst>
       <p:ext uri="{BB962C8B-B14F-4D97-AF65-F5344CB8AC3E}">
@@ -25390,6 +25535,152 @@
 </p:sld>
 </file>
 
+<file path=ppt/slides/slide29.xml><?xml version="1.0" encoding="utf-8"?>
+<p:sld xmlns:a="http://schemas.openxmlformats.org/drawingml/2006/main" xmlns:r="http://schemas.openxmlformats.org/officeDocument/2006/relationships" xmlns:p="http://schemas.openxmlformats.org/presentationml/2006/main">
+  <p:cSld>
+    <p:spTree>
+      <p:nvGrpSpPr>
+        <p:cNvPr id="1" name="">
+          <a:extLst>
+            <a:ext uri="{FF2B5EF4-FFF2-40B4-BE49-F238E27FC236}">
+              <a16:creationId xmlns:a16="http://schemas.microsoft.com/office/drawing/2014/main" id="{6B724F61-E0F1-8230-E066-DAA769993192}"/>
+            </a:ext>
+          </a:extLst>
+        </p:cNvPr>
+        <p:cNvGrpSpPr/>
+        <p:nvPr/>
+      </p:nvGrpSpPr>
+      <p:grpSpPr>
+        <a:xfrm>
+          <a:off x="0" y="0"/>
+          <a:ext cx="0" cy="0"/>
+          <a:chOff x="0" y="0"/>
+          <a:chExt cx="0" cy="0"/>
+        </a:xfrm>
+      </p:grpSpPr>
+      <p:sp>
+        <p:nvSpPr>
+          <p:cNvPr id="2" name="标题 1">
+            <a:extLst>
+              <a:ext uri="{FF2B5EF4-FFF2-40B4-BE49-F238E27FC236}">
+                <a16:creationId xmlns:a16="http://schemas.microsoft.com/office/drawing/2014/main" id="{D643656B-0524-8AE8-DB7E-023C457F78D3}"/>
+              </a:ext>
+            </a:extLst>
+          </p:cNvPr>
+          <p:cNvSpPr>
+            <a:spLocks noGrp="1"/>
+          </p:cNvSpPr>
+          <p:nvPr>
+            <p:ph type="title"/>
+          </p:nvPr>
+        </p:nvSpPr>
+        <p:spPr/>
+        <p:txBody>
+          <a:bodyPr/>
+          <a:lstStyle/>
+          <a:p>
+            <a:r>
+              <a:rPr kumimoji="1" lang="en-US" altLang="zh-CN" dirty="0"/>
+              <a:t> </a:t>
+            </a:r>
+            <a:endParaRPr kumimoji="1" lang="zh-CN" altLang="en-US" dirty="0"/>
+          </a:p>
+        </p:txBody>
+      </p:sp>
+      <p:sp>
+        <p:nvSpPr>
+          <p:cNvPr id="3" name="内容占位符 2">
+            <a:extLst>
+              <a:ext uri="{FF2B5EF4-FFF2-40B4-BE49-F238E27FC236}">
+                <a16:creationId xmlns:a16="http://schemas.microsoft.com/office/drawing/2014/main" id="{7F62AA88-CBB3-A5FC-EA71-D57252F1993D}"/>
+              </a:ext>
+            </a:extLst>
+          </p:cNvPr>
+          <p:cNvSpPr>
+            <a:spLocks noGrp="1"/>
+          </p:cNvSpPr>
+          <p:nvPr>
+            <p:ph idx="1"/>
+          </p:nvPr>
+        </p:nvSpPr>
+        <p:spPr/>
+        <p:txBody>
+          <a:bodyPr/>
+          <a:lstStyle/>
+          <a:p>
+            <a:pPr marL="0" indent="0">
+              <a:buNone/>
+            </a:pPr>
+            <a:endParaRPr kumimoji="1" lang="en-US" altLang="zh-CN" dirty="0"/>
+          </a:p>
+          <a:p>
+            <a:pPr marL="0" indent="0">
+              <a:buNone/>
+            </a:pPr>
+            <a:endParaRPr kumimoji="1" lang="en-US" altLang="zh-CN" dirty="0"/>
+          </a:p>
+          <a:p>
+            <a:pPr marL="0" indent="0">
+              <a:buNone/>
+            </a:pPr>
+            <a:endParaRPr kumimoji="1" lang="en-US" altLang="zh-CN" dirty="0"/>
+          </a:p>
+          <a:p>
+            <a:pPr marL="0" indent="0" algn="ctr">
+              <a:buNone/>
+            </a:pPr>
+            <a:r>
+              <a:rPr kumimoji="1" lang="en-US" altLang="zh-CN" i="1" dirty="0"/>
+              <a:t>Encoding</a:t>
+            </a:r>
+            <a:r>
+              <a:rPr kumimoji="1" lang="zh-CN" altLang="en-US" i="1" dirty="0"/>
+              <a:t> </a:t>
+            </a:r>
+            <a:r>
+              <a:rPr kumimoji="1" lang="en-US" altLang="zh-CN" i="1" dirty="0"/>
+              <a:t>Predicate</a:t>
+            </a:r>
+            <a:r>
+              <a:rPr kumimoji="1" lang="zh-CN" altLang="en-US" i="1" dirty="0"/>
+              <a:t> </a:t>
+            </a:r>
+            <a:r>
+              <a:rPr kumimoji="1" lang="en-US" altLang="zh-CN" i="1" dirty="0"/>
+              <a:t>logic</a:t>
+            </a:r>
+            <a:r>
+              <a:rPr kumimoji="1" lang="zh-CN" altLang="en-US" i="1" dirty="0"/>
+              <a:t> </a:t>
+            </a:r>
+            <a:r>
+              <a:rPr kumimoji="1" lang="en-US" altLang="zh-CN" i="1" dirty="0"/>
+              <a:t>in</a:t>
+            </a:r>
+            <a:r>
+              <a:rPr kumimoji="1" lang="zh-CN" altLang="en-US" i="1" dirty="0"/>
+              <a:t> </a:t>
+            </a:r>
+            <a:r>
+              <a:rPr kumimoji="1" lang="en-US" altLang="zh-CN" i="1" dirty="0"/>
+              <a:t>Z3</a:t>
+            </a:r>
+          </a:p>
+        </p:txBody>
+      </p:sp>
+    </p:spTree>
+    <p:extLst>
+      <p:ext uri="{BB962C8B-B14F-4D97-AF65-F5344CB8AC3E}">
+        <p14:creationId xmlns:p14="http://schemas.microsoft.com/office/powerpoint/2010/main" val="1461388812"/>
+      </p:ext>
+    </p:extLst>
+  </p:cSld>
+  <p:clrMapOvr>
+    <a:masterClrMapping/>
+  </p:clrMapOvr>
+</p:sld>
+</file>
+
 <file path=ppt/slides/slide3.xml><?xml version="1.0" encoding="utf-8"?>
 <p:sld xmlns:a="http://schemas.openxmlformats.org/drawingml/2006/main" xmlns:r="http://schemas.openxmlformats.org/officeDocument/2006/relationships" xmlns:p="http://schemas.openxmlformats.org/presentationml/2006/main">
   <p:cSld>
@@ -25436,8 +25727,8 @@
           </a:p>
         </p:txBody>
       </p:sp>
-      <mc:AlternateContent xmlns:mc="http://schemas.openxmlformats.org/markup-compatibility/2006" xmlns:a14="http://schemas.microsoft.com/office/drawing/2010/main">
-        <mc:Choice Requires="a14">
+      <mc:AlternateContent xmlns:mc="http://schemas.openxmlformats.org/markup-compatibility/2006">
+        <mc:Choice xmlns:a14="http://schemas.microsoft.com/office/drawing/2010/main" Requires="a14">
           <p:sp>
             <p:nvSpPr>
               <p:cNvPr id="3" name="内容占位符 2">
@@ -25539,15 +25830,7 @@
                 </a:r>
                 <a:r>
                   <a:rPr kumimoji="1" lang="en-US" altLang="zh-CN" dirty="0"/>
-                  <a:t>CS</a:t>
-                </a:r>
-                <a:r>
-                  <a:rPr kumimoji="1" lang="zh-CN" altLang="en-US" dirty="0"/>
-                  <a:t> </a:t>
-                </a:r>
-                <a:r>
-                  <a:rPr kumimoji="1" lang="en-US" altLang="zh-CN" dirty="0"/>
-                  <a:t>major</a:t>
+                  <a:t>student</a:t>
                 </a:r>
                 <a:r>
                   <a:rPr kumimoji="1" lang="zh-CN" altLang="en-US" dirty="0"/>
@@ -25588,7 +25871,7 @@
                 </a:r>
                 <a:r>
                   <a:rPr kumimoji="1" lang="en-US" altLang="zh-CN" dirty="0"/>
-                  <a:t>CS</a:t>
+                  <a:t>a</a:t>
                 </a:r>
                 <a:r>
                   <a:rPr kumimoji="1" lang="zh-CN" altLang="en-US" dirty="0"/>
@@ -25596,7 +25879,7 @@
                 </a:r>
                 <a:r>
                   <a:rPr kumimoji="1" lang="en-US" altLang="zh-CN" dirty="0"/>
-                  <a:t>major”</a:t>
+                  <a:t>student”</a:t>
                 </a:r>
               </a:p>
               <a:p>
@@ -25666,21 +25949,30 @@
                     </m:oMathParaPr>
                     <m:oMath xmlns:m="http://schemas.openxmlformats.org/officeDocument/2006/math">
                       <m:r>
-                        <a:rPr kumimoji="1" lang="en-US" altLang="zh-CN" i="1" dirty="0">
+                        <a:rPr kumimoji="1" lang="en-US" altLang="zh-CN" i="1" dirty="0" smtClean="0">
+                          <a:solidFill>
+                            <a:srgbClr val="0432FF"/>
+                          </a:solidFill>
                           <a:latin typeface="Cambria Math" panose="02040503050406030204" pitchFamily="18" charset="0"/>
                           <a:ea typeface="Cambria Math" panose="02040503050406030204" pitchFamily="18" charset="0"/>
                         </a:rPr>
                         <m:t>∀</m:t>
                       </m:r>
                       <m:r>
-                        <a:rPr kumimoji="1" lang="en-US" altLang="zh-CN" i="1" dirty="0">
+                        <a:rPr kumimoji="1" lang="en-US" altLang="zh-CN" i="1" dirty="0" smtClean="0">
+                          <a:solidFill>
+                            <a:srgbClr val="0432FF"/>
+                          </a:solidFill>
                           <a:latin typeface="Cambria Math" panose="02040503050406030204" pitchFamily="18" charset="0"/>
                           <a:ea typeface="Cambria Math" panose="02040503050406030204" pitchFamily="18" charset="0"/>
                         </a:rPr>
                         <m:t>𝑥</m:t>
                       </m:r>
                       <m:r>
-                        <a:rPr kumimoji="1" lang="en-US" altLang="zh-CN" i="1" dirty="0">
+                        <a:rPr kumimoji="1" lang="en-US" altLang="zh-CN" i="1" dirty="0" smtClean="0">
+                          <a:solidFill>
+                            <a:srgbClr val="0432FF"/>
+                          </a:solidFill>
                           <a:latin typeface="Cambria Math" panose="02040503050406030204" pitchFamily="18" charset="0"/>
                           <a:ea typeface="Cambria Math" panose="02040503050406030204" pitchFamily="18" charset="0"/>
                         </a:rPr>
@@ -25690,6 +25982,9 @@
                         <m:dPr>
                           <m:ctrlPr>
                             <a:rPr kumimoji="1" lang="en-US" altLang="zh-CN" b="0" i="1" dirty="0" smtClean="0">
+                              <a:solidFill>
+                                <a:srgbClr val="0432FF"/>
+                              </a:solidFill>
                               <a:latin typeface="Cambria Math" panose="02040503050406030204" pitchFamily="18" charset="0"/>
                               <a:ea typeface="Cambria Math" panose="02040503050406030204" pitchFamily="18" charset="0"/>
                             </a:rPr>
@@ -25698,15 +25993,21 @@
                         <m:e>
                           <m:r>
                             <a:rPr kumimoji="1" lang="en-US" altLang="zh-CN" b="0" i="1" dirty="0" smtClean="0">
+                              <a:solidFill>
+                                <a:srgbClr val="0432FF"/>
+                              </a:solidFill>
                               <a:latin typeface="Cambria Math" panose="02040503050406030204" pitchFamily="18" charset="0"/>
                               <a:ea typeface="Cambria Math" panose="02040503050406030204" pitchFamily="18" charset="0"/>
                             </a:rPr>
-                            <m:t>𝐶</m:t>
+                            <m:t>𝑆</m:t>
                           </m:r>
                           <m:d>
                             <m:dPr>
                               <m:ctrlPr>
                                 <a:rPr kumimoji="1" lang="en-US" altLang="zh-CN" b="0" i="1" dirty="0" smtClean="0">
+                                  <a:solidFill>
+                                    <a:srgbClr val="0432FF"/>
+                                  </a:solidFill>
                                   <a:latin typeface="Cambria Math" panose="02040503050406030204" pitchFamily="18" charset="0"/>
                                   <a:ea typeface="Cambria Math" panose="02040503050406030204" pitchFamily="18" charset="0"/>
                                 </a:rPr>
@@ -25715,6 +26016,9 @@
                             <m:e>
                               <m:r>
                                 <a:rPr kumimoji="1" lang="en-US" altLang="zh-CN" b="0" i="1" dirty="0" smtClean="0">
+                                  <a:solidFill>
+                                    <a:srgbClr val="0432FF"/>
+                                  </a:solidFill>
                                   <a:latin typeface="Cambria Math" panose="02040503050406030204" pitchFamily="18" charset="0"/>
                                   <a:ea typeface="Cambria Math" panose="02040503050406030204" pitchFamily="18" charset="0"/>
                                 </a:rPr>
@@ -25724,12 +26028,18 @@
                           </m:d>
                           <m:r>
                             <a:rPr kumimoji="1" lang="zh-CN" altLang="en-US" i="1">
+                              <a:solidFill>
+                                <a:srgbClr val="0432FF"/>
+                              </a:solidFill>
                               <a:latin typeface="Cambria Math" panose="02040503050406030204" pitchFamily="18" charset="0"/>
                             </a:rPr>
                             <m:t>→</m:t>
                           </m:r>
                           <m:r>
                             <a:rPr kumimoji="1" lang="en-US" altLang="zh-CN" b="0" i="1" smtClean="0">
+                              <a:solidFill>
+                                <a:srgbClr val="0432FF"/>
+                              </a:solidFill>
                               <a:latin typeface="Cambria Math" panose="02040503050406030204" pitchFamily="18" charset="0"/>
                             </a:rPr>
                             <m:t>𝐿</m:t>
@@ -25738,6 +26048,9 @@
                             <m:dPr>
                               <m:ctrlPr>
                                 <a:rPr kumimoji="1" lang="en-US" altLang="zh-CN" b="0" i="1" smtClean="0">
+                                  <a:solidFill>
+                                    <a:srgbClr val="0432FF"/>
+                                  </a:solidFill>
                                   <a:latin typeface="Cambria Math" panose="02040503050406030204" pitchFamily="18" charset="0"/>
                                 </a:rPr>
                               </m:ctrlPr>
@@ -25745,6 +26058,9 @@
                             <m:e>
                               <m:r>
                                 <a:rPr kumimoji="1" lang="en-US" altLang="zh-CN" b="0" i="1" smtClean="0">
+                                  <a:solidFill>
+                                    <a:srgbClr val="0432FF"/>
+                                  </a:solidFill>
                                   <a:latin typeface="Cambria Math" panose="02040503050406030204" pitchFamily="18" charset="0"/>
                                 </a:rPr>
                                 <m:t>𝑥</m:t>
@@ -25754,21 +26070,30 @@
                         </m:e>
                       </m:d>
                       <m:r>
-                        <a:rPr kumimoji="1" lang="zh-CN" altLang="en-US" i="1">
-                          <a:latin typeface="Cambria Math" panose="02040503050406030204" pitchFamily="18" charset="0"/>
-                        </a:rPr>
-                        <m:t>→</m:t>
+                        <a:rPr kumimoji="1" lang="zh-CN" altLang="en-US" b="0" i="1" smtClean="0">
+                          <a:solidFill>
+                            <a:srgbClr val="0432FF"/>
+                          </a:solidFill>
+                          <a:latin typeface="Cambria Math" panose="02040503050406030204" pitchFamily="18" charset="0"/>
+                        </a:rPr>
+                        <m:t> ∧</m:t>
                       </m:r>
                       <m:r>
                         <a:rPr kumimoji="1" lang="en-US" altLang="zh-CN" b="0" i="1" smtClean="0">
-                          <a:latin typeface="Cambria Math" panose="02040503050406030204" pitchFamily="18" charset="0"/>
-                        </a:rPr>
-                        <m:t>𝐶</m:t>
+                          <a:solidFill>
+                            <a:srgbClr val="0432FF"/>
+                          </a:solidFill>
+                          <a:latin typeface="Cambria Math" panose="02040503050406030204" pitchFamily="18" charset="0"/>
+                        </a:rPr>
+                        <m:t>𝑆</m:t>
                       </m:r>
                       <m:d>
                         <m:dPr>
                           <m:ctrlPr>
                             <a:rPr kumimoji="1" lang="en-US" altLang="zh-CN" b="0" i="1" smtClean="0">
+                              <a:solidFill>
+                                <a:srgbClr val="0432FF"/>
+                              </a:solidFill>
                               <a:latin typeface="Cambria Math" panose="02040503050406030204" pitchFamily="18" charset="0"/>
                             </a:rPr>
                           </m:ctrlPr>
@@ -25776,6 +26101,9 @@
                         <m:e>
                           <m:r>
                             <a:rPr kumimoji="1" lang="en-US" altLang="zh-CN" b="0" i="1" smtClean="0">
+                              <a:solidFill>
+                                <a:srgbClr val="0432FF"/>
+                              </a:solidFill>
                               <a:latin typeface="Cambria Math" panose="02040503050406030204" pitchFamily="18" charset="0"/>
                             </a:rPr>
                             <m:t>𝐵𝑜𝑏</m:t>
@@ -25784,30 +26112,45 @@
                       </m:d>
                       <m:r>
                         <a:rPr kumimoji="1" lang="en-US" altLang="zh-CN" b="0" i="1" smtClean="0">
+                          <a:solidFill>
+                            <a:srgbClr val="0432FF"/>
+                          </a:solidFill>
                           <a:latin typeface="Cambria Math" panose="02040503050406030204" pitchFamily="18" charset="0"/>
                         </a:rPr>
                         <m:t>→</m:t>
                       </m:r>
                       <m:r>
                         <a:rPr kumimoji="1" lang="en-US" altLang="zh-CN" b="0" i="1" smtClean="0">
+                          <a:solidFill>
+                            <a:srgbClr val="0432FF"/>
+                          </a:solidFill>
                           <a:latin typeface="Cambria Math" panose="02040503050406030204" pitchFamily="18" charset="0"/>
                         </a:rPr>
                         <m:t>𝐿</m:t>
                       </m:r>
                       <m:r>
                         <a:rPr kumimoji="1" lang="en-US" altLang="zh-CN" b="0" i="1" smtClean="0">
+                          <a:solidFill>
+                            <a:srgbClr val="0432FF"/>
+                          </a:solidFill>
                           <a:latin typeface="Cambria Math" panose="02040503050406030204" pitchFamily="18" charset="0"/>
                         </a:rPr>
                         <m:t>(</m:t>
                       </m:r>
                       <m:r>
                         <a:rPr kumimoji="1" lang="en-US" altLang="zh-CN" b="0" i="1" smtClean="0">
+                          <a:solidFill>
+                            <a:srgbClr val="0432FF"/>
+                          </a:solidFill>
                           <a:latin typeface="Cambria Math" panose="02040503050406030204" pitchFamily="18" charset="0"/>
                         </a:rPr>
                         <m:t>𝐵𝑜𝑏</m:t>
                       </m:r>
                       <m:r>
                         <a:rPr kumimoji="1" lang="en-US" altLang="zh-CN" b="0" i="1" dirty="0" smtClean="0">
+                          <a:solidFill>
+                            <a:srgbClr val="0432FF"/>
+                          </a:solidFill>
                           <a:latin typeface="Cambria Math" panose="02040503050406030204" pitchFamily="18" charset="0"/>
                           <a:ea typeface="Cambria Math" panose="02040503050406030204" pitchFamily="18" charset="0"/>
                         </a:rPr>
@@ -25816,12 +26159,98 @@
                     </m:oMath>
                   </m:oMathPara>
                 </a14:m>
-                <a:endParaRPr kumimoji="1" lang="en-US" altLang="zh-CN" dirty="0"/>
+                <a:endParaRPr kumimoji="1" lang="en-US" altLang="zh-CN" dirty="0">
+                  <a:solidFill>
+                    <a:srgbClr val="0432FF"/>
+                  </a:solidFill>
+                </a:endParaRPr>
+              </a:p>
+              <a:p>
+                <a:pPr marL="914400" lvl="2" indent="0">
+                  <a:buNone/>
+                </a:pPr>
+                <a:r>
+                  <a:rPr kumimoji="1" lang="en-US" altLang="zh-CN" dirty="0"/>
+                  <a:t>where</a:t>
+                </a:r>
+                <a:r>
+                  <a:rPr kumimoji="1" lang="zh-CN" altLang="en-US" dirty="0"/>
+                  <a:t> </a:t>
+                </a:r>
+                <a:r>
+                  <a:rPr kumimoji="1" lang="en-US" altLang="zh-CN" dirty="0"/>
+                  <a:t>S(x):</a:t>
+                </a:r>
+                <a:r>
+                  <a:rPr kumimoji="1" lang="zh-CN" altLang="en-US" dirty="0"/>
+                  <a:t> </a:t>
+                </a:r>
+                <a:r>
+                  <a:rPr kumimoji="1" lang="en-US" altLang="zh-CN" dirty="0"/>
+                  <a:t>x</a:t>
+                </a:r>
+                <a:r>
+                  <a:rPr kumimoji="1" lang="zh-CN" altLang="en-US" dirty="0"/>
+                  <a:t> </a:t>
+                </a:r>
+                <a:r>
+                  <a:rPr kumimoji="1" lang="en-US" altLang="zh-CN" dirty="0"/>
+                  <a:t>is</a:t>
+                </a:r>
+                <a:r>
+                  <a:rPr kumimoji="1" lang="zh-CN" altLang="en-US" dirty="0"/>
+                  <a:t> </a:t>
+                </a:r>
+                <a:r>
+                  <a:rPr kumimoji="1" lang="en-US" altLang="zh-CN" dirty="0"/>
+                  <a:t>a</a:t>
+                </a:r>
+                <a:r>
+                  <a:rPr kumimoji="1" lang="zh-CN" altLang="en-US" dirty="0"/>
+                  <a:t> </a:t>
+                </a:r>
+                <a:r>
+                  <a:rPr kumimoji="1" lang="en-US" altLang="zh-CN" dirty="0"/>
+                  <a:t>student</a:t>
+                </a:r>
+              </a:p>
+              <a:p>
+                <a:pPr marL="914400" lvl="2" indent="0">
+                  <a:buNone/>
+                </a:pPr>
+                <a:r>
+                  <a:rPr kumimoji="1" lang="en-US" altLang="zh-CN" dirty="0"/>
+                  <a:t>L(x):</a:t>
+                </a:r>
+                <a:r>
+                  <a:rPr kumimoji="1" lang="zh-CN" altLang="en-US" dirty="0"/>
+                  <a:t> </a:t>
+                </a:r>
+                <a:r>
+                  <a:rPr kumimoji="1" lang="en-US" altLang="zh-CN" dirty="0"/>
+                  <a:t>x</a:t>
+                </a:r>
+                <a:r>
+                  <a:rPr kumimoji="1" lang="zh-CN" altLang="en-US" dirty="0"/>
+                  <a:t> </a:t>
+                </a:r>
+                <a:r>
+                  <a:rPr kumimoji="1" lang="en-US" altLang="zh-CN" dirty="0"/>
+                  <a:t>learns</a:t>
+                </a:r>
+                <a:r>
+                  <a:rPr kumimoji="1" lang="zh-CN" altLang="en-US" dirty="0"/>
+                  <a:t> </a:t>
+                </a:r>
+                <a:r>
+                  <a:rPr kumimoji="1" lang="en-US" altLang="zh-CN" dirty="0"/>
+                  <a:t>logic</a:t>
+                </a:r>
               </a:p>
             </p:txBody>
           </p:sp>
         </mc:Choice>
-        <mc:Fallback xmlns="">
+        <mc:Fallback>
           <p:sp>
             <p:nvSpPr>
               <p:cNvPr id="3" name="内容占位符 2">
@@ -25842,7 +26271,7 @@
               <a:blipFill>
                 <a:blip r:embed="rId2"/>
                 <a:stretch>
-                  <a:fillRect l="-489" t="-1846"/>
+                  <a:fillRect l="-653" t="-1846" b="-14462"/>
                 </a:stretch>
               </a:blipFill>
             </p:spPr>
@@ -25865,6 +26294,746 @@
     <p:extLst>
       <p:ext uri="{BB962C8B-B14F-4D97-AF65-F5344CB8AC3E}">
         <p14:creationId xmlns:p14="http://schemas.microsoft.com/office/powerpoint/2010/main" val="4214605292"/>
+      </p:ext>
+    </p:extLst>
+  </p:cSld>
+  <p:clrMapOvr>
+    <a:masterClrMapping/>
+  </p:clrMapOvr>
+</p:sld>
+</file>
+
+<file path=ppt/slides/slide30.xml><?xml version="1.0" encoding="utf-8"?>
+<p:sld xmlns:a="http://schemas.openxmlformats.org/drawingml/2006/main" xmlns:r="http://schemas.openxmlformats.org/officeDocument/2006/relationships" xmlns:p="http://schemas.openxmlformats.org/presentationml/2006/main">
+  <p:cSld>
+    <p:spTree>
+      <p:nvGrpSpPr>
+        <p:cNvPr id="1" name="">
+          <a:extLst>
+            <a:ext uri="{FF2B5EF4-FFF2-40B4-BE49-F238E27FC236}">
+              <a16:creationId xmlns:a16="http://schemas.microsoft.com/office/drawing/2014/main" id="{8972BC32-6BD4-AE57-72E7-85555C9EB197}"/>
+            </a:ext>
+          </a:extLst>
+        </p:cNvPr>
+        <p:cNvGrpSpPr/>
+        <p:nvPr/>
+      </p:nvGrpSpPr>
+      <p:grpSpPr>
+        <a:xfrm>
+          <a:off x="0" y="0"/>
+          <a:ext cx="0" cy="0"/>
+          <a:chOff x="0" y="0"/>
+          <a:chExt cx="0" cy="0"/>
+        </a:xfrm>
+      </p:grpSpPr>
+      <p:sp>
+        <p:nvSpPr>
+          <p:cNvPr id="2" name="标题 1">
+            <a:extLst>
+              <a:ext uri="{FF2B5EF4-FFF2-40B4-BE49-F238E27FC236}">
+                <a16:creationId xmlns:a16="http://schemas.microsoft.com/office/drawing/2014/main" id="{00CAA493-5762-A559-ACD4-D43FAE3690F4}"/>
+              </a:ext>
+            </a:extLst>
+          </p:cNvPr>
+          <p:cNvSpPr>
+            <a:spLocks noGrp="1"/>
+          </p:cNvSpPr>
+          <p:nvPr>
+            <p:ph type="title"/>
+          </p:nvPr>
+        </p:nvSpPr>
+        <p:spPr/>
+        <p:txBody>
+          <a:bodyPr/>
+          <a:lstStyle/>
+          <a:p>
+            <a:r>
+              <a:rPr kumimoji="1" lang="en-US" altLang="zh-CN" dirty="0"/>
+              <a:t>Key</a:t>
+            </a:r>
+            <a:r>
+              <a:rPr kumimoji="1" lang="zh-CN" altLang="en-US" dirty="0"/>
+              <a:t> </a:t>
+            </a:r>
+            <a:r>
+              <a:rPr kumimoji="1" lang="en-US" altLang="zh-CN" dirty="0"/>
+              <a:t>steps</a:t>
+            </a:r>
+            <a:endParaRPr kumimoji="1" lang="zh-CN" altLang="en-US" dirty="0"/>
+          </a:p>
+        </p:txBody>
+      </p:sp>
+      <p:sp>
+        <p:nvSpPr>
+          <p:cNvPr id="3" name="内容占位符 2">
+            <a:extLst>
+              <a:ext uri="{FF2B5EF4-FFF2-40B4-BE49-F238E27FC236}">
+                <a16:creationId xmlns:a16="http://schemas.microsoft.com/office/drawing/2014/main" id="{3D2806A3-D990-A471-01CB-DCD0084C2C65}"/>
+              </a:ext>
+            </a:extLst>
+          </p:cNvPr>
+          <p:cNvSpPr>
+            <a:spLocks noGrp="1"/>
+          </p:cNvSpPr>
+          <p:nvPr>
+            <p:ph idx="1"/>
+          </p:nvPr>
+        </p:nvSpPr>
+        <p:spPr/>
+        <p:txBody>
+          <a:bodyPr/>
+          <a:lstStyle/>
+          <a:p>
+            <a:r>
+              <a:rPr kumimoji="1" lang="en-US" altLang="zh-CN" dirty="0"/>
+              <a:t>#1:</a:t>
+            </a:r>
+            <a:r>
+              <a:rPr kumimoji="1" lang="zh-CN" altLang="en-US" dirty="0"/>
+              <a:t> </a:t>
+            </a:r>
+            <a:r>
+              <a:rPr kumimoji="1" lang="en-US" altLang="zh-CN" dirty="0"/>
+              <a:t>create</a:t>
+            </a:r>
+            <a:r>
+              <a:rPr kumimoji="1" lang="zh-CN" altLang="en-US" dirty="0"/>
+              <a:t> </a:t>
+            </a:r>
+            <a:r>
+              <a:rPr kumimoji="1" lang="en-US" altLang="zh-CN" dirty="0"/>
+              <a:t>target</a:t>
+            </a:r>
+            <a:r>
+              <a:rPr kumimoji="1" lang="zh-CN" altLang="en-US" dirty="0"/>
+              <a:t> </a:t>
+            </a:r>
+            <a:r>
+              <a:rPr kumimoji="1" lang="en-US" altLang="zh-CN" dirty="0"/>
+              <a:t>domains</a:t>
+            </a:r>
+          </a:p>
+          <a:p>
+            <a:pPr lvl="1"/>
+            <a:r>
+              <a:rPr kumimoji="1" lang="en-US" altLang="zh-CN" dirty="0"/>
+              <a:t>using</a:t>
+            </a:r>
+            <a:r>
+              <a:rPr kumimoji="1" lang="zh-CN" altLang="en-US" dirty="0">
+                <a:solidFill>
+                  <a:srgbClr val="0432FF"/>
+                </a:solidFill>
+              </a:rPr>
+              <a:t> </a:t>
+            </a:r>
+            <a:r>
+              <a:rPr kumimoji="1" lang="en-US" altLang="zh-CN" dirty="0">
+                <a:solidFill>
+                  <a:srgbClr val="0432FF"/>
+                </a:solidFill>
+              </a:rPr>
+              <a:t>“sort” </a:t>
+            </a:r>
+          </a:p>
+          <a:p>
+            <a:pPr lvl="1"/>
+            <a:r>
+              <a:rPr kumimoji="1" lang="en-US" altLang="zh-CN" dirty="0"/>
+              <a:t>e.g.,</a:t>
+            </a:r>
+            <a:r>
+              <a:rPr kumimoji="1" lang="zh-CN" altLang="en-US" dirty="0"/>
+              <a:t> </a:t>
+            </a:r>
+            <a:r>
+              <a:rPr kumimoji="1" lang="en-US" altLang="zh-CN" dirty="0"/>
+              <a:t>to</a:t>
+            </a:r>
+            <a:r>
+              <a:rPr kumimoji="1" lang="zh-CN" altLang="en-US" dirty="0"/>
+              <a:t> </a:t>
+            </a:r>
+            <a:r>
+              <a:rPr kumimoji="1" lang="en-US" altLang="zh-CN" dirty="0"/>
+              <a:t>represent</a:t>
+            </a:r>
+            <a:r>
+              <a:rPr kumimoji="1" lang="zh-CN" altLang="en-US" dirty="0"/>
+              <a:t> </a:t>
+            </a:r>
+            <a:r>
+              <a:rPr kumimoji="1" lang="en-US" altLang="zh-CN" dirty="0"/>
+              <a:t>“student”,</a:t>
+            </a:r>
+            <a:r>
+              <a:rPr kumimoji="1" lang="zh-CN" altLang="en-US" dirty="0"/>
+              <a:t> </a:t>
+            </a:r>
+            <a:r>
+              <a:rPr kumimoji="1" lang="en-US" altLang="zh-CN" dirty="0"/>
+              <a:t>we</a:t>
+            </a:r>
+            <a:r>
+              <a:rPr kumimoji="1" lang="zh-CN" altLang="en-US" dirty="0"/>
+              <a:t> </a:t>
+            </a:r>
+            <a:r>
+              <a:rPr kumimoji="1" lang="en-US" altLang="zh-CN" dirty="0"/>
+              <a:t>use</a:t>
+            </a:r>
+          </a:p>
+          <a:p>
+            <a:pPr lvl="2"/>
+            <a:r>
+              <a:rPr kumimoji="1" lang="en-US" altLang="zh-CN" dirty="0" err="1">
+                <a:solidFill>
+                  <a:srgbClr val="0432FF"/>
+                </a:solidFill>
+              </a:rPr>
+              <a:t>student_sort</a:t>
+            </a:r>
+            <a:r>
+              <a:rPr kumimoji="1" lang="zh-CN" altLang="en-US" dirty="0">
+                <a:solidFill>
+                  <a:srgbClr val="0432FF"/>
+                </a:solidFill>
+              </a:rPr>
+              <a:t> </a:t>
+            </a:r>
+            <a:r>
+              <a:rPr kumimoji="1" lang="en-US" altLang="zh-CN" dirty="0">
+                <a:solidFill>
+                  <a:srgbClr val="0432FF"/>
+                </a:solidFill>
+              </a:rPr>
+              <a:t>=</a:t>
+            </a:r>
+            <a:r>
+              <a:rPr kumimoji="1" lang="zh-CN" altLang="en-US" dirty="0">
+                <a:solidFill>
+                  <a:srgbClr val="0432FF"/>
+                </a:solidFill>
+              </a:rPr>
+              <a:t> </a:t>
+            </a:r>
+            <a:r>
+              <a:rPr kumimoji="1" lang="en-US" altLang="zh-CN" dirty="0" err="1">
+                <a:solidFill>
+                  <a:srgbClr val="0432FF"/>
+                </a:solidFill>
+              </a:rPr>
+              <a:t>DeclareSort</a:t>
+            </a:r>
+            <a:r>
+              <a:rPr kumimoji="1" lang="en-US" altLang="zh-CN" dirty="0">
+                <a:solidFill>
+                  <a:srgbClr val="0432FF"/>
+                </a:solidFill>
+              </a:rPr>
+              <a:t>(“student”)</a:t>
+            </a:r>
+          </a:p>
+          <a:p>
+            <a:r>
+              <a:rPr kumimoji="1" lang="en-US" altLang="zh-CN" dirty="0"/>
+              <a:t>#2:</a:t>
+            </a:r>
+            <a:r>
+              <a:rPr kumimoji="1" lang="zh-CN" altLang="en-US" dirty="0"/>
+              <a:t> </a:t>
+            </a:r>
+            <a:r>
+              <a:rPr kumimoji="1" lang="en-US" altLang="zh-CN" dirty="0"/>
+              <a:t>declare</a:t>
+            </a:r>
+            <a:r>
+              <a:rPr kumimoji="1" lang="zh-CN" altLang="en-US" dirty="0"/>
+              <a:t> </a:t>
+            </a:r>
+            <a:r>
+              <a:rPr kumimoji="1" lang="en-US" altLang="zh-CN" dirty="0"/>
+              <a:t>new</a:t>
+            </a:r>
+            <a:r>
+              <a:rPr kumimoji="1" lang="zh-CN" altLang="en-US" dirty="0"/>
+              <a:t> </a:t>
+            </a:r>
+            <a:r>
+              <a:rPr kumimoji="1" lang="en-US" altLang="zh-CN" dirty="0"/>
+              <a:t>variables</a:t>
+            </a:r>
+            <a:r>
+              <a:rPr kumimoji="1" lang="zh-CN" altLang="en-US" dirty="0"/>
+              <a:t> </a:t>
+            </a:r>
+            <a:r>
+              <a:rPr kumimoji="1" lang="en-US" altLang="zh-CN" dirty="0"/>
+              <a:t>and</a:t>
+            </a:r>
+            <a:r>
+              <a:rPr kumimoji="1" lang="zh-CN" altLang="en-US" dirty="0"/>
+              <a:t> </a:t>
+            </a:r>
+            <a:r>
+              <a:rPr kumimoji="1" lang="en-US" altLang="zh-CN" dirty="0"/>
+              <a:t>functions</a:t>
+            </a:r>
+          </a:p>
+          <a:p>
+            <a:pPr lvl="1"/>
+            <a:r>
+              <a:rPr kumimoji="1" lang="en-US" altLang="zh-CN" dirty="0"/>
+              <a:t>note</a:t>
+            </a:r>
+            <a:r>
+              <a:rPr kumimoji="1" lang="zh-CN" altLang="en-US" dirty="0"/>
+              <a:t> </a:t>
+            </a:r>
+            <a:r>
+              <a:rPr kumimoji="1" lang="en-US" altLang="zh-CN" dirty="0"/>
+              <a:t>that</a:t>
+            </a:r>
+            <a:r>
+              <a:rPr kumimoji="1" lang="zh-CN" altLang="en-US" dirty="0"/>
+              <a:t> </a:t>
+            </a:r>
+            <a:r>
+              <a:rPr kumimoji="1" lang="en-US" altLang="zh-CN" dirty="0"/>
+              <a:t>Z3</a:t>
+            </a:r>
+            <a:r>
+              <a:rPr kumimoji="1" lang="zh-CN" altLang="en-US" dirty="0"/>
+              <a:t> </a:t>
+            </a:r>
+            <a:r>
+              <a:rPr kumimoji="1" lang="en-US" altLang="zh-CN" dirty="0"/>
+              <a:t>treats</a:t>
+            </a:r>
+            <a:r>
+              <a:rPr kumimoji="1" lang="zh-CN" altLang="en-US" dirty="0"/>
+              <a:t> </a:t>
+            </a:r>
+            <a:r>
+              <a:rPr kumimoji="1" lang="en-US" altLang="zh-CN" dirty="0"/>
+              <a:t>predicates</a:t>
+            </a:r>
+            <a:r>
+              <a:rPr kumimoji="1" lang="zh-CN" altLang="en-US" dirty="0"/>
+              <a:t> </a:t>
+            </a:r>
+            <a:r>
+              <a:rPr kumimoji="1" lang="en-US" altLang="zh-CN" dirty="0"/>
+              <a:t>as</a:t>
+            </a:r>
+            <a:r>
+              <a:rPr kumimoji="1" lang="zh-CN" altLang="en-US" dirty="0"/>
+              <a:t> </a:t>
+            </a:r>
+            <a:r>
+              <a:rPr kumimoji="1" lang="en-US" altLang="zh-CN" dirty="0"/>
+              <a:t>bool-valued</a:t>
+            </a:r>
+            <a:r>
+              <a:rPr kumimoji="1" lang="zh-CN" altLang="en-US" dirty="0"/>
+              <a:t> </a:t>
+            </a:r>
+            <a:r>
+              <a:rPr kumimoji="1" lang="en-US" altLang="zh-CN" dirty="0"/>
+              <a:t>functions</a:t>
+            </a:r>
+          </a:p>
+          <a:p>
+            <a:pPr lvl="1"/>
+            <a:r>
+              <a:rPr kumimoji="1" lang="en-US" altLang="zh-CN" dirty="0"/>
+              <a:t>e.g.,</a:t>
+            </a:r>
+            <a:r>
+              <a:rPr kumimoji="1" lang="zh-CN" altLang="en-US" dirty="0"/>
+              <a:t> </a:t>
+            </a:r>
+            <a:r>
+              <a:rPr kumimoji="1" lang="en-US" altLang="zh-CN" dirty="0"/>
+              <a:t>“</a:t>
+            </a:r>
+            <a:r>
+              <a:rPr kumimoji="1" lang="en-US" altLang="zh-CN" dirty="0" err="1"/>
+              <a:t>zhangsan</a:t>
+            </a:r>
+            <a:r>
+              <a:rPr kumimoji="1" lang="zh-CN" altLang="en-US" dirty="0"/>
+              <a:t> </a:t>
+            </a:r>
+            <a:r>
+              <a:rPr kumimoji="1" lang="en-US" altLang="zh-CN" dirty="0"/>
+              <a:t>is</a:t>
+            </a:r>
+            <a:r>
+              <a:rPr kumimoji="1" lang="zh-CN" altLang="en-US" dirty="0"/>
+              <a:t> </a:t>
+            </a:r>
+            <a:r>
+              <a:rPr kumimoji="1" lang="en-US" altLang="zh-CN" dirty="0"/>
+              <a:t>a</a:t>
+            </a:r>
+            <a:r>
+              <a:rPr kumimoji="1" lang="zh-CN" altLang="en-US" dirty="0"/>
+              <a:t> </a:t>
+            </a:r>
+            <a:r>
+              <a:rPr kumimoji="1" lang="en-US" altLang="zh-CN" dirty="0"/>
+              <a:t>student”</a:t>
+            </a:r>
+          </a:p>
+          <a:p>
+            <a:pPr lvl="2"/>
+            <a:r>
+              <a:rPr kumimoji="1" lang="en-US" altLang="zh-CN" dirty="0" err="1">
+                <a:solidFill>
+                  <a:srgbClr val="0432FF"/>
+                </a:solidFill>
+              </a:rPr>
+              <a:t>zhangsan</a:t>
+            </a:r>
+            <a:r>
+              <a:rPr kumimoji="1" lang="zh-CN" altLang="en-US" dirty="0">
+                <a:solidFill>
+                  <a:srgbClr val="0432FF"/>
+                </a:solidFill>
+              </a:rPr>
+              <a:t> </a:t>
+            </a:r>
+            <a:r>
+              <a:rPr kumimoji="1" lang="en-US" altLang="zh-CN" dirty="0">
+                <a:solidFill>
+                  <a:srgbClr val="0432FF"/>
+                </a:solidFill>
+              </a:rPr>
+              <a:t>=</a:t>
+            </a:r>
+            <a:r>
+              <a:rPr kumimoji="1" lang="zh-CN" altLang="en-US" dirty="0">
+                <a:solidFill>
+                  <a:srgbClr val="0432FF"/>
+                </a:solidFill>
+              </a:rPr>
+              <a:t> </a:t>
+            </a:r>
+            <a:r>
+              <a:rPr kumimoji="1" lang="en-US" altLang="zh-CN" dirty="0">
+                <a:solidFill>
+                  <a:srgbClr val="0432FF"/>
+                </a:solidFill>
+              </a:rPr>
+              <a:t>Const(“</a:t>
+            </a:r>
+            <a:r>
+              <a:rPr kumimoji="1" lang="en-US" altLang="zh-CN" dirty="0" err="1">
+                <a:solidFill>
+                  <a:srgbClr val="0432FF"/>
+                </a:solidFill>
+              </a:rPr>
+              <a:t>zhangsan</a:t>
+            </a:r>
+            <a:r>
+              <a:rPr kumimoji="1" lang="en-US" altLang="zh-CN" dirty="0">
+                <a:solidFill>
+                  <a:srgbClr val="0432FF"/>
+                </a:solidFill>
+              </a:rPr>
+              <a:t>”,</a:t>
+            </a:r>
+            <a:r>
+              <a:rPr kumimoji="1" lang="zh-CN" altLang="en-US" dirty="0">
+                <a:solidFill>
+                  <a:srgbClr val="0432FF"/>
+                </a:solidFill>
+              </a:rPr>
+              <a:t> </a:t>
+            </a:r>
+            <a:r>
+              <a:rPr kumimoji="1" lang="en-US" altLang="zh-CN" dirty="0" err="1">
+                <a:solidFill>
+                  <a:srgbClr val="0432FF"/>
+                </a:solidFill>
+              </a:rPr>
+              <a:t>student_sort</a:t>
+            </a:r>
+            <a:r>
+              <a:rPr kumimoji="1" lang="en-US" altLang="zh-CN" dirty="0">
+                <a:solidFill>
+                  <a:srgbClr val="0432FF"/>
+                </a:solidFill>
+              </a:rPr>
+              <a:t>)</a:t>
+            </a:r>
+          </a:p>
+        </p:txBody>
+      </p:sp>
+    </p:spTree>
+    <p:extLst>
+      <p:ext uri="{BB962C8B-B14F-4D97-AF65-F5344CB8AC3E}">
+        <p14:creationId xmlns:p14="http://schemas.microsoft.com/office/powerpoint/2010/main" val="3176869545"/>
+      </p:ext>
+    </p:extLst>
+  </p:cSld>
+  <p:clrMapOvr>
+    <a:masterClrMapping/>
+  </p:clrMapOvr>
+</p:sld>
+</file>
+
+<file path=ppt/slides/slide31.xml><?xml version="1.0" encoding="utf-8"?>
+<p:sld xmlns:a="http://schemas.openxmlformats.org/drawingml/2006/main" xmlns:r="http://schemas.openxmlformats.org/officeDocument/2006/relationships" xmlns:p="http://schemas.openxmlformats.org/presentationml/2006/main">
+  <p:cSld>
+    <p:spTree>
+      <p:nvGrpSpPr>
+        <p:cNvPr id="1" name="">
+          <a:extLst>
+            <a:ext uri="{FF2B5EF4-FFF2-40B4-BE49-F238E27FC236}">
+              <a16:creationId xmlns:a16="http://schemas.microsoft.com/office/drawing/2014/main" id="{F4A7A983-3DFA-647F-CAE2-F9FF0CD497EB}"/>
+            </a:ext>
+          </a:extLst>
+        </p:cNvPr>
+        <p:cNvGrpSpPr/>
+        <p:nvPr/>
+      </p:nvGrpSpPr>
+      <p:grpSpPr>
+        <a:xfrm>
+          <a:off x="0" y="0"/>
+          <a:ext cx="0" cy="0"/>
+          <a:chOff x="0" y="0"/>
+          <a:chExt cx="0" cy="0"/>
+        </a:xfrm>
+      </p:grpSpPr>
+      <p:sp>
+        <p:nvSpPr>
+          <p:cNvPr id="2" name="标题 1">
+            <a:extLst>
+              <a:ext uri="{FF2B5EF4-FFF2-40B4-BE49-F238E27FC236}">
+                <a16:creationId xmlns:a16="http://schemas.microsoft.com/office/drawing/2014/main" id="{F48E1F80-E3A7-6C09-A0B3-F46E6335002A}"/>
+              </a:ext>
+            </a:extLst>
+          </p:cNvPr>
+          <p:cNvSpPr>
+            <a:spLocks noGrp="1"/>
+          </p:cNvSpPr>
+          <p:nvPr>
+            <p:ph type="title"/>
+          </p:nvPr>
+        </p:nvSpPr>
+        <p:spPr/>
+        <p:txBody>
+          <a:bodyPr/>
+          <a:lstStyle/>
+          <a:p>
+            <a:r>
+              <a:rPr kumimoji="1" lang="en-US" altLang="zh-CN" dirty="0"/>
+              <a:t>Key</a:t>
+            </a:r>
+            <a:r>
+              <a:rPr kumimoji="1" lang="zh-CN" altLang="en-US" dirty="0"/>
+              <a:t> </a:t>
+            </a:r>
+            <a:r>
+              <a:rPr kumimoji="1" lang="en-US" altLang="zh-CN" dirty="0"/>
+              <a:t>steps,</a:t>
+            </a:r>
+            <a:r>
+              <a:rPr kumimoji="1" lang="zh-CN" altLang="en-US" dirty="0"/>
+              <a:t> </a:t>
+            </a:r>
+            <a:r>
+              <a:rPr kumimoji="1" lang="en-US" altLang="zh-CN" dirty="0" err="1"/>
+              <a:t>cont</a:t>
+            </a:r>
+            <a:r>
+              <a:rPr kumimoji="1" lang="en-US" altLang="zh-CN" dirty="0"/>
+              <a:t>’</a:t>
+            </a:r>
+            <a:endParaRPr kumimoji="1" lang="zh-CN" altLang="en-US" dirty="0"/>
+          </a:p>
+        </p:txBody>
+      </p:sp>
+      <p:sp>
+        <p:nvSpPr>
+          <p:cNvPr id="3" name="内容占位符 2">
+            <a:extLst>
+              <a:ext uri="{FF2B5EF4-FFF2-40B4-BE49-F238E27FC236}">
+                <a16:creationId xmlns:a16="http://schemas.microsoft.com/office/drawing/2014/main" id="{A479CAEA-95ED-593B-8202-E0FD73A6D24E}"/>
+              </a:ext>
+            </a:extLst>
+          </p:cNvPr>
+          <p:cNvSpPr>
+            <a:spLocks noGrp="1"/>
+          </p:cNvSpPr>
+          <p:nvPr>
+            <p:ph idx="1"/>
+          </p:nvPr>
+        </p:nvSpPr>
+        <p:spPr/>
+        <p:txBody>
+          <a:bodyPr/>
+          <a:lstStyle/>
+          <a:p>
+            <a:r>
+              <a:rPr kumimoji="1" lang="en-US" altLang="zh-CN" dirty="0"/>
+              <a:t>#3:</a:t>
+            </a:r>
+            <a:r>
+              <a:rPr kumimoji="1" lang="zh-CN" altLang="en-US" dirty="0"/>
+              <a:t> </a:t>
+            </a:r>
+            <a:r>
+              <a:rPr kumimoji="1" lang="en-US" altLang="zh-CN" dirty="0"/>
+              <a:t>build the propositions </a:t>
+            </a:r>
+          </a:p>
+          <a:p>
+            <a:pPr lvl="1"/>
+            <a:r>
+              <a:rPr kumimoji="1" lang="en-US" altLang="zh-CN" dirty="0"/>
+              <a:t>e.g.,</a:t>
+            </a:r>
+            <a:r>
+              <a:rPr kumimoji="1" lang="zh-CN" altLang="en-US" dirty="0"/>
+              <a:t> </a:t>
+            </a:r>
+            <a:r>
+              <a:rPr kumimoji="1" lang="en-US" altLang="zh-CN" dirty="0"/>
+              <a:t>“every student learns logic”</a:t>
+            </a:r>
+          </a:p>
+          <a:p>
+            <a:pPr lvl="2"/>
+            <a:r>
+              <a:rPr kumimoji="1" lang="en-US" altLang="zh-CN" dirty="0" err="1">
+                <a:solidFill>
+                  <a:srgbClr val="0432FF"/>
+                </a:solidFill>
+              </a:rPr>
+              <a:t>ForAll</a:t>
+            </a:r>
+            <a:r>
+              <a:rPr kumimoji="1" lang="en-US" altLang="zh-CN" dirty="0">
+                <a:solidFill>
+                  <a:srgbClr val="0432FF"/>
+                </a:solidFill>
+              </a:rPr>
+              <a:t>([Const(‘x’, </a:t>
+            </a:r>
+            <a:r>
+              <a:rPr kumimoji="1" lang="en-US" altLang="zh-CN" dirty="0" err="1">
+                <a:solidFill>
+                  <a:srgbClr val="0432FF"/>
+                </a:solidFill>
+              </a:rPr>
+              <a:t>student_sort</a:t>
+            </a:r>
+            <a:r>
+              <a:rPr kumimoji="1" lang="en-US" altLang="zh-CN" dirty="0">
+                <a:solidFill>
+                  <a:srgbClr val="0432FF"/>
+                </a:solidFill>
+              </a:rPr>
+              <a:t>)],</a:t>
+            </a:r>
+          </a:p>
+          <a:p>
+            <a:pPr marL="914400" lvl="2" indent="0">
+              <a:buNone/>
+            </a:pPr>
+            <a:r>
+              <a:rPr kumimoji="1" lang="en-US" altLang="zh-CN" dirty="0">
+                <a:solidFill>
+                  <a:srgbClr val="0432FF"/>
+                </a:solidFill>
+              </a:rPr>
+              <a:t>	Implies(</a:t>
+            </a:r>
+            <a:r>
+              <a:rPr kumimoji="1" lang="en-US" altLang="zh-CN" dirty="0" err="1">
+                <a:solidFill>
+                  <a:srgbClr val="0432FF"/>
+                </a:solidFill>
+              </a:rPr>
+              <a:t>is_student</a:t>
+            </a:r>
+            <a:r>
+              <a:rPr kumimoji="1" lang="en-US" altLang="zh-CN" dirty="0">
+                <a:solidFill>
+                  <a:srgbClr val="0432FF"/>
+                </a:solidFill>
+              </a:rPr>
+              <a:t>(Const(‘x’, </a:t>
+            </a:r>
+            <a:r>
+              <a:rPr kumimoji="1" lang="en-US" altLang="zh-CN" dirty="0" err="1">
+                <a:solidFill>
+                  <a:srgbClr val="0432FF"/>
+                </a:solidFill>
+              </a:rPr>
+              <a:t>student_sort</a:t>
+            </a:r>
+            <a:r>
+              <a:rPr kumimoji="1" lang="en-US" altLang="zh-CN" dirty="0">
+                <a:solidFill>
+                  <a:srgbClr val="0432FF"/>
+                </a:solidFill>
+              </a:rPr>
+              <a:t>)), </a:t>
+            </a:r>
+            <a:r>
+              <a:rPr kumimoji="1" lang="en-US" altLang="zh-CN" dirty="0" err="1">
+                <a:solidFill>
+                  <a:srgbClr val="0432FF"/>
+                </a:solidFill>
+              </a:rPr>
+              <a:t>learn_logic</a:t>
+            </a:r>
+            <a:r>
+              <a:rPr kumimoji="1" lang="en-US" altLang="zh-CN" dirty="0">
+                <a:solidFill>
+                  <a:srgbClr val="0432FF"/>
+                </a:solidFill>
+              </a:rPr>
+              <a:t>(Const(‘x’, </a:t>
+            </a:r>
+            <a:r>
+              <a:rPr kumimoji="1" lang="en-US" altLang="zh-CN" dirty="0" err="1">
+                <a:solidFill>
+                  <a:srgbClr val="0432FF"/>
+                </a:solidFill>
+              </a:rPr>
+              <a:t>student_sort</a:t>
+            </a:r>
+            <a:r>
+              <a:rPr kumimoji="1" lang="en-US" altLang="zh-CN">
+                <a:solidFill>
+                  <a:srgbClr val="0432FF"/>
+                </a:solidFill>
+              </a:rPr>
+              <a:t>)))</a:t>
+            </a:r>
+            <a:endParaRPr kumimoji="1" lang="en-US" altLang="zh-CN" dirty="0">
+              <a:solidFill>
+                <a:srgbClr val="0432FF"/>
+              </a:solidFill>
+            </a:endParaRPr>
+          </a:p>
+          <a:p>
+            <a:r>
+              <a:rPr kumimoji="1" lang="en-US" altLang="zh-CN" dirty="0"/>
+              <a:t>read the code in the handout</a:t>
+            </a:r>
+          </a:p>
+        </p:txBody>
+      </p:sp>
+    </p:spTree>
+    <p:extLst>
+      <p:ext uri="{BB962C8B-B14F-4D97-AF65-F5344CB8AC3E}">
+        <p14:creationId xmlns:p14="http://schemas.microsoft.com/office/powerpoint/2010/main" val="1003041864"/>
       </p:ext>
     </p:extLst>
   </p:cSld>
@@ -25940,12 +27109,6 @@
         <p:txBody>
           <a:bodyPr/>
           <a:lstStyle/>
-          <a:p>
-            <a:pPr marL="0" indent="0">
-              <a:buNone/>
-            </a:pPr>
-            <a:endParaRPr kumimoji="1" lang="en-US" altLang="zh-CN" dirty="0"/>
-          </a:p>
           <a:p>
             <a:pPr marL="0" indent="0">
               <a:buNone/>

--- a/courses/theory/slides/lec08-predlogic.pptx
+++ b/courses/theory/slides/lec08-predlogic.pptx
@@ -16568,8 +16568,8 @@
           </a:p>
         </p:txBody>
       </p:sp>
-      <mc:AlternateContent xmlns:mc="http://schemas.openxmlformats.org/markup-compatibility/2006">
-        <mc:Choice xmlns:a14="http://schemas.microsoft.com/office/drawing/2010/main" Requires="a14">
+      <mc:AlternateContent xmlns:mc="http://schemas.openxmlformats.org/markup-compatibility/2006" xmlns:a14="http://schemas.microsoft.com/office/drawing/2010/main">
+        <mc:Choice Requires="a14">
           <p:sp>
             <p:nvSpPr>
               <p:cNvPr id="3" name="内容占位符 2">
@@ -17018,7 +17018,7 @@
             </p:txBody>
           </p:sp>
         </mc:Choice>
-        <mc:Fallback>
+        <mc:Fallback xmlns="">
           <p:sp>
             <p:nvSpPr>
               <p:cNvPr id="3" name="内容占位符 2">
@@ -25727,8 +25727,8 @@
           </a:p>
         </p:txBody>
       </p:sp>
-      <mc:AlternateContent xmlns:mc="http://schemas.openxmlformats.org/markup-compatibility/2006">
-        <mc:Choice xmlns:a14="http://schemas.microsoft.com/office/drawing/2010/main" Requires="a14">
+      <mc:AlternateContent xmlns:mc="http://schemas.openxmlformats.org/markup-compatibility/2006" xmlns:a14="http://schemas.microsoft.com/office/drawing/2010/main">
+        <mc:Choice Requires="a14">
           <p:sp>
             <p:nvSpPr>
               <p:cNvPr id="3" name="内容占位符 2">
@@ -26250,7 +26250,7 @@
             </p:txBody>
           </p:sp>
         </mc:Choice>
-        <mc:Fallback>
+        <mc:Fallback xmlns="">
           <p:sp>
             <p:nvSpPr>
               <p:cNvPr id="3" name="内容占位符 2">
@@ -26385,42 +26385,42 @@
           <a:lstStyle/>
           <a:p>
             <a:r>
-              <a:rPr kumimoji="1" lang="en-US" altLang="zh-CN" dirty="0"/>
+              <a:rPr kumimoji="1" lang="en-US" altLang="zh-CN" sz="2400" dirty="0"/>
               <a:t>#1:</a:t>
             </a:r>
             <a:r>
-              <a:rPr kumimoji="1" lang="zh-CN" altLang="en-US" dirty="0"/>
+              <a:rPr kumimoji="1" lang="zh-CN" altLang="en-US" sz="2400" dirty="0"/>
               <a:t> </a:t>
             </a:r>
             <a:r>
-              <a:rPr kumimoji="1" lang="en-US" altLang="zh-CN" dirty="0"/>
+              <a:rPr kumimoji="1" lang="en-US" altLang="zh-CN" sz="2400" dirty="0"/>
               <a:t>create</a:t>
             </a:r>
             <a:r>
-              <a:rPr kumimoji="1" lang="zh-CN" altLang="en-US" dirty="0"/>
+              <a:rPr kumimoji="1" lang="zh-CN" altLang="en-US" sz="2400" dirty="0"/>
               <a:t> </a:t>
             </a:r>
             <a:r>
-              <a:rPr kumimoji="1" lang="en-US" altLang="zh-CN" dirty="0"/>
+              <a:rPr kumimoji="1" lang="en-US" altLang="zh-CN" sz="2400" dirty="0"/>
               <a:t>target</a:t>
             </a:r>
             <a:r>
-              <a:rPr kumimoji="1" lang="zh-CN" altLang="en-US" dirty="0"/>
+              <a:rPr kumimoji="1" lang="zh-CN" altLang="en-US" sz="2400" dirty="0"/>
               <a:t> </a:t>
             </a:r>
             <a:r>
-              <a:rPr kumimoji="1" lang="en-US" altLang="zh-CN" dirty="0"/>
+              <a:rPr kumimoji="1" lang="en-US" altLang="zh-CN" sz="2400" dirty="0"/>
               <a:t>domains</a:t>
             </a:r>
           </a:p>
           <a:p>
             <a:pPr lvl="1"/>
             <a:r>
-              <a:rPr kumimoji="1" lang="en-US" altLang="zh-CN" dirty="0"/>
+              <a:rPr kumimoji="1" lang="en-US" altLang="zh-CN" sz="2000" dirty="0"/>
               <a:t>using</a:t>
             </a:r>
             <a:r>
-              <a:rPr kumimoji="1" lang="zh-CN" altLang="en-US" dirty="0">
+              <a:rPr kumimoji="1" lang="zh-CN" altLang="en-US" sz="2000" dirty="0">
                 <a:solidFill>
                   <a:srgbClr val="0432FF"/>
                 </a:solidFill>
@@ -26428,7 +26428,7 @@
               <a:t> </a:t>
             </a:r>
             <a:r>
-              <a:rPr kumimoji="1" lang="en-US" altLang="zh-CN" dirty="0">
+              <a:rPr kumimoji="1" lang="en-US" altLang="zh-CN" sz="2000" dirty="0">
                 <a:solidFill>
                   <a:srgbClr val="0432FF"/>
                 </a:solidFill>
@@ -26439,62 +26439,46 @@
           <a:p>
             <a:pPr lvl="1"/>
             <a:r>
-              <a:rPr kumimoji="1" lang="en-US" altLang="zh-CN" dirty="0"/>
+              <a:rPr kumimoji="1" lang="en-US" altLang="zh-CN" sz="2000" dirty="0"/>
               <a:t>e.g.,</a:t>
             </a:r>
             <a:r>
-              <a:rPr kumimoji="1" lang="zh-CN" altLang="en-US" dirty="0"/>
+              <a:rPr kumimoji="1" lang="zh-CN" altLang="en-US" sz="2000" dirty="0"/>
               <a:t> </a:t>
             </a:r>
             <a:r>
-              <a:rPr kumimoji="1" lang="en-US" altLang="zh-CN" dirty="0"/>
+              <a:rPr kumimoji="1" lang="en-US" altLang="zh-CN" sz="2000" dirty="0"/>
               <a:t>to</a:t>
             </a:r>
             <a:r>
-              <a:rPr kumimoji="1" lang="zh-CN" altLang="en-US" dirty="0"/>
+              <a:rPr kumimoji="1" lang="zh-CN" altLang="en-US" sz="2000" dirty="0"/>
               <a:t> </a:t>
             </a:r>
             <a:r>
-              <a:rPr kumimoji="1" lang="en-US" altLang="zh-CN" dirty="0"/>
+              <a:rPr kumimoji="1" lang="en-US" altLang="zh-CN" sz="2000" dirty="0"/>
               <a:t>represent</a:t>
             </a:r>
             <a:r>
-              <a:rPr kumimoji="1" lang="zh-CN" altLang="en-US" dirty="0"/>
+              <a:rPr kumimoji="1" lang="zh-CN" altLang="en-US" sz="2000" dirty="0"/>
               <a:t> </a:t>
             </a:r>
             <a:r>
-              <a:rPr kumimoji="1" lang="en-US" altLang="zh-CN" dirty="0"/>
-              <a:t>“student”,</a:t>
-            </a:r>
-            <a:r>
-              <a:rPr kumimoji="1" lang="zh-CN" altLang="en-US" dirty="0"/>
-              <a:t> </a:t>
-            </a:r>
-            <a:r>
-              <a:rPr kumimoji="1" lang="en-US" altLang="zh-CN" dirty="0"/>
-              <a:t>we</a:t>
-            </a:r>
-            <a:r>
-              <a:rPr kumimoji="1" lang="zh-CN" altLang="en-US" dirty="0"/>
-              <a:t> </a:t>
-            </a:r>
-            <a:r>
-              <a:rPr kumimoji="1" lang="en-US" altLang="zh-CN" dirty="0"/>
-              <a:t>use</a:t>
+              <a:rPr kumimoji="1" lang="en-US" altLang="zh-CN" sz="2000" dirty="0"/>
+              <a:t>“person”:</a:t>
             </a:r>
           </a:p>
           <a:p>
             <a:pPr lvl="2"/>
             <a:r>
-              <a:rPr kumimoji="1" lang="en-US" altLang="zh-CN" dirty="0" err="1">
+              <a:rPr kumimoji="1" lang="en-US" altLang="zh-CN" sz="2000" dirty="0" err="1">
                 <a:solidFill>
                   <a:srgbClr val="0432FF"/>
                 </a:solidFill>
               </a:rPr>
-              <a:t>student_sort</a:t>
-            </a:r>
-            <a:r>
-              <a:rPr kumimoji="1" lang="zh-CN" altLang="en-US" dirty="0">
+              <a:t>person_sort</a:t>
+            </a:r>
+            <a:r>
+              <a:rPr kumimoji="1" lang="zh-CN" altLang="en-US" sz="2000" dirty="0">
                 <a:solidFill>
                   <a:srgbClr val="0432FF"/>
                 </a:solidFill>
@@ -26502,7 +26486,7 @@
               <a:t> </a:t>
             </a:r>
             <a:r>
-              <a:rPr kumimoji="1" lang="en-US" altLang="zh-CN" dirty="0">
+              <a:rPr kumimoji="1" lang="en-US" altLang="zh-CN" sz="2000" dirty="0">
                 <a:solidFill>
                   <a:srgbClr val="0432FF"/>
                 </a:solidFill>
@@ -26510,7 +26494,7 @@
               <a:t>=</a:t>
             </a:r>
             <a:r>
-              <a:rPr kumimoji="1" lang="zh-CN" altLang="en-US" dirty="0">
+              <a:rPr kumimoji="1" lang="zh-CN" altLang="en-US" sz="2000" dirty="0">
                 <a:solidFill>
                   <a:srgbClr val="0432FF"/>
                 </a:solidFill>
@@ -26518,7 +26502,7 @@
               <a:t> </a:t>
             </a:r>
             <a:r>
-              <a:rPr kumimoji="1" lang="en-US" altLang="zh-CN" dirty="0" err="1">
+              <a:rPr kumimoji="1" lang="en-US" altLang="zh-CN" sz="2000" dirty="0" err="1">
                 <a:solidFill>
                   <a:srgbClr val="0432FF"/>
                 </a:solidFill>
@@ -26526,170 +26510,178 @@
               <a:t>DeclareSort</a:t>
             </a:r>
             <a:r>
-              <a:rPr kumimoji="1" lang="en-US" altLang="zh-CN" dirty="0">
+              <a:rPr kumimoji="1" lang="en-US" altLang="zh-CN" sz="2000" dirty="0">
                 <a:solidFill>
                   <a:srgbClr val="0432FF"/>
                 </a:solidFill>
               </a:rPr>
-              <a:t>(“student”)</a:t>
+              <a:t>(“</a:t>
+            </a:r>
+            <a:r>
+              <a:rPr kumimoji="1" lang="en-US" altLang="zh-CN" sz="2000" dirty="0" err="1">
+                <a:solidFill>
+                  <a:srgbClr val="0432FF"/>
+                </a:solidFill>
+              </a:rPr>
+              <a:t>person_sort</a:t>
+            </a:r>
+            <a:r>
+              <a:rPr kumimoji="1" lang="en-US" altLang="zh-CN" sz="2000" dirty="0">
+                <a:solidFill>
+                  <a:srgbClr val="0432FF"/>
+                </a:solidFill>
+              </a:rPr>
+              <a:t>”)</a:t>
             </a:r>
           </a:p>
           <a:p>
             <a:r>
-              <a:rPr kumimoji="1" lang="en-US" altLang="zh-CN" dirty="0"/>
+              <a:rPr kumimoji="1" lang="en-US" altLang="zh-CN" sz="2400" dirty="0"/>
               <a:t>#2:</a:t>
             </a:r>
             <a:r>
-              <a:rPr kumimoji="1" lang="zh-CN" altLang="en-US" dirty="0"/>
+              <a:rPr kumimoji="1" lang="zh-CN" altLang="en-US" sz="2400" dirty="0"/>
               <a:t> </a:t>
             </a:r>
             <a:r>
-              <a:rPr kumimoji="1" lang="en-US" altLang="zh-CN" dirty="0"/>
+              <a:rPr kumimoji="1" lang="en-US" altLang="zh-CN" sz="2400" dirty="0"/>
               <a:t>declare</a:t>
             </a:r>
             <a:r>
-              <a:rPr kumimoji="1" lang="zh-CN" altLang="en-US" dirty="0"/>
+              <a:rPr kumimoji="1" lang="zh-CN" altLang="en-US" sz="2400" dirty="0"/>
               <a:t> </a:t>
             </a:r>
             <a:r>
-              <a:rPr kumimoji="1" lang="en-US" altLang="zh-CN" dirty="0"/>
+              <a:rPr kumimoji="1" lang="en-US" altLang="zh-CN" sz="2400" dirty="0"/>
               <a:t>new</a:t>
             </a:r>
             <a:r>
-              <a:rPr kumimoji="1" lang="zh-CN" altLang="en-US" dirty="0"/>
+              <a:rPr kumimoji="1" lang="zh-CN" altLang="en-US" sz="2400" dirty="0"/>
               <a:t> </a:t>
             </a:r>
             <a:r>
-              <a:rPr kumimoji="1" lang="en-US" altLang="zh-CN" dirty="0"/>
+              <a:rPr kumimoji="1" lang="en-US" altLang="zh-CN" sz="2400" dirty="0"/>
               <a:t>variables</a:t>
             </a:r>
             <a:r>
-              <a:rPr kumimoji="1" lang="zh-CN" altLang="en-US" dirty="0"/>
+              <a:rPr kumimoji="1" lang="zh-CN" altLang="en-US" sz="2400" dirty="0"/>
               <a:t> </a:t>
             </a:r>
             <a:r>
-              <a:rPr kumimoji="1" lang="en-US" altLang="zh-CN" dirty="0"/>
+              <a:rPr kumimoji="1" lang="en-US" altLang="zh-CN" sz="2400" dirty="0"/>
               <a:t>and</a:t>
             </a:r>
             <a:r>
-              <a:rPr kumimoji="1" lang="zh-CN" altLang="en-US" dirty="0"/>
+              <a:rPr kumimoji="1" lang="zh-CN" altLang="en-US" sz="2400" dirty="0"/>
               <a:t> </a:t>
             </a:r>
             <a:r>
-              <a:rPr kumimoji="1" lang="en-US" altLang="zh-CN" dirty="0"/>
+              <a:rPr kumimoji="1" lang="en-US" altLang="zh-CN" sz="2400" dirty="0"/>
               <a:t>functions</a:t>
             </a:r>
           </a:p>
           <a:p>
             <a:pPr lvl="1"/>
             <a:r>
-              <a:rPr kumimoji="1" lang="en-US" altLang="zh-CN" dirty="0"/>
+              <a:rPr kumimoji="1" lang="en-US" altLang="zh-CN" sz="2000" dirty="0"/>
               <a:t>note</a:t>
             </a:r>
             <a:r>
-              <a:rPr kumimoji="1" lang="zh-CN" altLang="en-US" dirty="0"/>
+              <a:rPr kumimoji="1" lang="zh-CN" altLang="en-US" sz="2000" dirty="0"/>
               <a:t> </a:t>
             </a:r>
             <a:r>
-              <a:rPr kumimoji="1" lang="en-US" altLang="zh-CN" dirty="0"/>
+              <a:rPr kumimoji="1" lang="en-US" altLang="zh-CN" sz="2000" dirty="0"/>
               <a:t>that</a:t>
             </a:r>
             <a:r>
-              <a:rPr kumimoji="1" lang="zh-CN" altLang="en-US" dirty="0"/>
+              <a:rPr kumimoji="1" lang="zh-CN" altLang="en-US" sz="2000" dirty="0"/>
               <a:t> </a:t>
             </a:r>
             <a:r>
-              <a:rPr kumimoji="1" lang="en-US" altLang="zh-CN" dirty="0"/>
+              <a:rPr kumimoji="1" lang="en-US" altLang="zh-CN" sz="2000" dirty="0"/>
               <a:t>Z3</a:t>
             </a:r>
             <a:r>
-              <a:rPr kumimoji="1" lang="zh-CN" altLang="en-US" dirty="0"/>
+              <a:rPr kumimoji="1" lang="zh-CN" altLang="en-US" sz="2000" dirty="0"/>
               <a:t> </a:t>
             </a:r>
             <a:r>
-              <a:rPr kumimoji="1" lang="en-US" altLang="zh-CN" dirty="0"/>
+              <a:rPr kumimoji="1" lang="en-US" altLang="zh-CN" sz="2000" dirty="0"/>
               <a:t>treats</a:t>
             </a:r>
             <a:r>
-              <a:rPr kumimoji="1" lang="zh-CN" altLang="en-US" dirty="0"/>
+              <a:rPr kumimoji="1" lang="zh-CN" altLang="en-US" sz="2000" dirty="0"/>
               <a:t> </a:t>
             </a:r>
             <a:r>
-              <a:rPr kumimoji="1" lang="en-US" altLang="zh-CN" dirty="0"/>
+              <a:rPr kumimoji="1" lang="en-US" altLang="zh-CN" sz="2000" dirty="0"/>
               <a:t>predicates</a:t>
             </a:r>
             <a:r>
-              <a:rPr kumimoji="1" lang="zh-CN" altLang="en-US" dirty="0"/>
+              <a:rPr kumimoji="1" lang="zh-CN" altLang="en-US" sz="2000" dirty="0"/>
               <a:t> </a:t>
             </a:r>
             <a:r>
-              <a:rPr kumimoji="1" lang="en-US" altLang="zh-CN" dirty="0"/>
+              <a:rPr kumimoji="1" lang="en-US" altLang="zh-CN" sz="2000" dirty="0"/>
               <a:t>as</a:t>
             </a:r>
             <a:r>
-              <a:rPr kumimoji="1" lang="zh-CN" altLang="en-US" dirty="0"/>
+              <a:rPr kumimoji="1" lang="zh-CN" altLang="en-US" sz="2000" dirty="0"/>
               <a:t> </a:t>
             </a:r>
             <a:r>
-              <a:rPr kumimoji="1" lang="en-US" altLang="zh-CN" dirty="0"/>
+              <a:rPr kumimoji="1" lang="en-US" altLang="zh-CN" sz="2000" dirty="0"/>
               <a:t>bool-valued</a:t>
             </a:r>
             <a:r>
-              <a:rPr kumimoji="1" lang="zh-CN" altLang="en-US" dirty="0"/>
+              <a:rPr kumimoji="1" lang="zh-CN" altLang="en-US" sz="2000" dirty="0"/>
               <a:t> </a:t>
             </a:r>
             <a:r>
-              <a:rPr kumimoji="1" lang="en-US" altLang="zh-CN" dirty="0"/>
+              <a:rPr kumimoji="1" lang="en-US" altLang="zh-CN" sz="2000" dirty="0"/>
               <a:t>functions</a:t>
             </a:r>
           </a:p>
           <a:p>
             <a:pPr lvl="1"/>
             <a:r>
-              <a:rPr kumimoji="1" lang="en-US" altLang="zh-CN" dirty="0"/>
+              <a:rPr kumimoji="1" lang="en-US" altLang="zh-CN" sz="2000" dirty="0"/>
               <a:t>e.g.,</a:t>
             </a:r>
             <a:r>
-              <a:rPr kumimoji="1" lang="zh-CN" altLang="en-US" dirty="0"/>
+              <a:rPr kumimoji="1" lang="zh-CN" altLang="en-US" sz="2000" dirty="0"/>
               <a:t> </a:t>
             </a:r>
             <a:r>
-              <a:rPr kumimoji="1" lang="en-US" altLang="zh-CN" dirty="0"/>
-              <a:t>“</a:t>
-            </a:r>
-            <a:r>
-              <a:rPr kumimoji="1" lang="en-US" altLang="zh-CN" dirty="0" err="1"/>
+              <a:rPr kumimoji="1" lang="en-US" altLang="zh-CN" sz="2000" dirty="0"/>
+              <a:t>“a</a:t>
+            </a:r>
+            <a:r>
+              <a:rPr kumimoji="1" lang="zh-CN" altLang="en-US" sz="2000" dirty="0"/>
+              <a:t> </a:t>
+            </a:r>
+            <a:r>
+              <a:rPr kumimoji="1" lang="en-US" altLang="zh-CN" sz="2000" dirty="0"/>
+              <a:t>person</a:t>
+            </a:r>
+            <a:r>
+              <a:rPr kumimoji="1" lang="zh-CN" altLang="en-US" sz="2000" dirty="0"/>
+              <a:t> </a:t>
+            </a:r>
+            <a:r>
+              <a:rPr kumimoji="1" lang="en-US" altLang="zh-CN" sz="2000" dirty="0" err="1"/>
               <a:t>zhangsan</a:t>
             </a:r>
             <a:r>
-              <a:rPr kumimoji="1" lang="zh-CN" altLang="en-US" dirty="0"/>
-              <a:t> </a:t>
-            </a:r>
-            <a:r>
-              <a:rPr kumimoji="1" lang="en-US" altLang="zh-CN" dirty="0"/>
-              <a:t>is</a:t>
-            </a:r>
-            <a:r>
-              <a:rPr kumimoji="1" lang="zh-CN" altLang="en-US" dirty="0"/>
-              <a:t> </a:t>
-            </a:r>
-            <a:r>
-              <a:rPr kumimoji="1" lang="en-US" altLang="zh-CN" dirty="0"/>
-              <a:t>a</a:t>
-            </a:r>
-            <a:r>
-              <a:rPr kumimoji="1" lang="zh-CN" altLang="en-US" dirty="0"/>
-              <a:t> </a:t>
-            </a:r>
-            <a:r>
-              <a:rPr kumimoji="1" lang="en-US" altLang="zh-CN" dirty="0"/>
-              <a:t>student”</a:t>
+              <a:rPr kumimoji="1" lang="en-US" altLang="zh-CN" sz="2000" dirty="0"/>
+              <a:t>”:</a:t>
             </a:r>
           </a:p>
           <a:p>
             <a:pPr lvl="2"/>
             <a:r>
-              <a:rPr kumimoji="1" lang="en-US" altLang="zh-CN" dirty="0" err="1">
+              <a:rPr kumimoji="1" lang="en-US" altLang="zh-CN" sz="2000" dirty="0" err="1">
                 <a:solidFill>
                   <a:srgbClr val="0432FF"/>
                 </a:solidFill>
@@ -26697,7 +26689,7 @@
               <a:t>zhangsan</a:t>
             </a:r>
             <a:r>
-              <a:rPr kumimoji="1" lang="zh-CN" altLang="en-US" dirty="0">
+              <a:rPr kumimoji="1" lang="zh-CN" altLang="en-US" sz="2000" dirty="0">
                 <a:solidFill>
                   <a:srgbClr val="0432FF"/>
                 </a:solidFill>
@@ -26705,7 +26697,7 @@
               <a:t> </a:t>
             </a:r>
             <a:r>
-              <a:rPr kumimoji="1" lang="en-US" altLang="zh-CN" dirty="0">
+              <a:rPr kumimoji="1" lang="en-US" altLang="zh-CN" sz="2000" dirty="0">
                 <a:solidFill>
                   <a:srgbClr val="0432FF"/>
                 </a:solidFill>
@@ -26713,7 +26705,7 @@
               <a:t>=</a:t>
             </a:r>
             <a:r>
-              <a:rPr kumimoji="1" lang="zh-CN" altLang="en-US" dirty="0">
+              <a:rPr kumimoji="1" lang="zh-CN" altLang="en-US" sz="2000" dirty="0">
                 <a:solidFill>
                   <a:srgbClr val="0432FF"/>
                 </a:solidFill>
@@ -26721,7 +26713,7 @@
               <a:t> </a:t>
             </a:r>
             <a:r>
-              <a:rPr kumimoji="1" lang="en-US" altLang="zh-CN" dirty="0">
+              <a:rPr kumimoji="1" lang="en-US" altLang="zh-CN" sz="2000" dirty="0">
                 <a:solidFill>
                   <a:srgbClr val="0432FF"/>
                 </a:solidFill>
@@ -26729,7 +26721,7 @@
               <a:t>Const(“</a:t>
             </a:r>
             <a:r>
-              <a:rPr kumimoji="1" lang="en-US" altLang="zh-CN" dirty="0" err="1">
+              <a:rPr kumimoji="1" lang="en-US" altLang="zh-CN" sz="2000" dirty="0" err="1">
                 <a:solidFill>
                   <a:srgbClr val="0432FF"/>
                 </a:solidFill>
@@ -26737,7 +26729,7 @@
               <a:t>zhangsan</a:t>
             </a:r>
             <a:r>
-              <a:rPr kumimoji="1" lang="en-US" altLang="zh-CN" dirty="0">
+              <a:rPr kumimoji="1" lang="en-US" altLang="zh-CN" sz="2000" dirty="0">
                 <a:solidFill>
                   <a:srgbClr val="0432FF"/>
                 </a:solidFill>
@@ -26745,7 +26737,7 @@
               <a:t>”,</a:t>
             </a:r>
             <a:r>
-              <a:rPr kumimoji="1" lang="zh-CN" altLang="en-US" dirty="0">
+              <a:rPr kumimoji="1" lang="zh-CN" altLang="en-US" sz="2000" dirty="0">
                 <a:solidFill>
                   <a:srgbClr val="0432FF"/>
                 </a:solidFill>
@@ -26753,20 +26745,226 @@
               <a:t> </a:t>
             </a:r>
             <a:r>
-              <a:rPr kumimoji="1" lang="en-US" altLang="zh-CN" dirty="0" err="1">
+              <a:rPr kumimoji="1" lang="en-US" altLang="zh-CN" sz="2000" dirty="0" err="1">
                 <a:solidFill>
                   <a:srgbClr val="0432FF"/>
                 </a:solidFill>
               </a:rPr>
-              <a:t>student_sort</a:t>
-            </a:r>
-            <a:r>
-              <a:rPr kumimoji="1" lang="en-US" altLang="zh-CN" dirty="0">
+              <a:t>person_sort</a:t>
+            </a:r>
+            <a:r>
+              <a:rPr kumimoji="1" lang="en-US" altLang="zh-CN" sz="2000" dirty="0">
                 <a:solidFill>
                   <a:srgbClr val="0432FF"/>
                 </a:solidFill>
               </a:rPr>
               <a:t>)</a:t>
+            </a:r>
+          </a:p>
+          <a:p>
+            <a:pPr lvl="2"/>
+            <a:r>
+              <a:rPr kumimoji="1" lang="en-US" altLang="zh-CN" sz="2000" dirty="0" err="1">
+                <a:solidFill>
+                  <a:srgbClr val="0432FF"/>
+                </a:solidFill>
+              </a:rPr>
+              <a:t>is_student</a:t>
+            </a:r>
+            <a:r>
+              <a:rPr kumimoji="1" lang="zh-CN" altLang="en-US" sz="2000" dirty="0">
+                <a:solidFill>
+                  <a:srgbClr val="0432FF"/>
+                </a:solidFill>
+              </a:rPr>
+              <a:t> </a:t>
+            </a:r>
+            <a:r>
+              <a:rPr kumimoji="1" lang="en-US" altLang="zh-CN" sz="2000" dirty="0">
+                <a:solidFill>
+                  <a:srgbClr val="0432FF"/>
+                </a:solidFill>
+              </a:rPr>
+              <a:t>=</a:t>
+            </a:r>
+            <a:r>
+              <a:rPr kumimoji="1" lang="zh-CN" altLang="en-US" sz="2000" dirty="0">
+                <a:solidFill>
+                  <a:srgbClr val="0432FF"/>
+                </a:solidFill>
+              </a:rPr>
+              <a:t> </a:t>
+            </a:r>
+            <a:r>
+              <a:rPr kumimoji="1" lang="en-US" altLang="zh-CN" sz="2000" dirty="0">
+                <a:solidFill>
+                  <a:srgbClr val="0432FF"/>
+                </a:solidFill>
+              </a:rPr>
+              <a:t>Function(”</a:t>
+            </a:r>
+            <a:r>
+              <a:rPr kumimoji="1" lang="en-US" altLang="zh-CN" sz="2000">
+                <a:solidFill>
+                  <a:srgbClr val="0432FF"/>
+                </a:solidFill>
+              </a:rPr>
+              <a:t>is_student”,</a:t>
+            </a:r>
+            <a:r>
+              <a:rPr kumimoji="1" lang="zh-CN" altLang="en-US" sz="2000" dirty="0">
+                <a:solidFill>
+                  <a:srgbClr val="0432FF"/>
+                </a:solidFill>
+              </a:rPr>
+              <a:t> </a:t>
+            </a:r>
+            <a:r>
+              <a:rPr kumimoji="1" lang="en-US" altLang="zh-CN" sz="2000" dirty="0" err="1">
+                <a:solidFill>
+                  <a:srgbClr val="0432FF"/>
+                </a:solidFill>
+              </a:rPr>
+              <a:t>person_sort</a:t>
+            </a:r>
+            <a:r>
+              <a:rPr kumimoji="1" lang="en-US" altLang="zh-CN" sz="2000" dirty="0">
+                <a:solidFill>
+                  <a:srgbClr val="0432FF"/>
+                </a:solidFill>
+              </a:rPr>
+              <a:t>,</a:t>
+            </a:r>
+            <a:r>
+              <a:rPr kumimoji="1" lang="zh-CN" altLang="en-US" sz="2000" dirty="0">
+                <a:solidFill>
+                  <a:srgbClr val="0432FF"/>
+                </a:solidFill>
+              </a:rPr>
+              <a:t> </a:t>
+            </a:r>
+            <a:r>
+              <a:rPr kumimoji="1" lang="en-US" altLang="zh-CN" sz="2000" dirty="0" err="1">
+                <a:solidFill>
+                  <a:srgbClr val="0432FF"/>
+                </a:solidFill>
+              </a:rPr>
+              <a:t>boolsort</a:t>
+            </a:r>
+            <a:r>
+              <a:rPr kumimoji="1" lang="en-US" altLang="zh-CN" sz="2000" dirty="0">
+                <a:solidFill>
+                  <a:srgbClr val="0432FF"/>
+                </a:solidFill>
+              </a:rPr>
+              <a:t>())</a:t>
+            </a:r>
+          </a:p>
+          <a:p>
+            <a:pPr lvl="2"/>
+            <a:r>
+              <a:rPr kumimoji="1" lang="en-US" altLang="zh-CN" sz="2000" dirty="0" err="1">
+                <a:solidFill>
+                  <a:srgbClr val="0432FF"/>
+                </a:solidFill>
+              </a:rPr>
+              <a:t>learn_logic</a:t>
+            </a:r>
+            <a:r>
+              <a:rPr kumimoji="1" lang="zh-CN" altLang="en-US" sz="2000" dirty="0">
+                <a:solidFill>
+                  <a:srgbClr val="0432FF"/>
+                </a:solidFill>
+              </a:rPr>
+              <a:t> </a:t>
+            </a:r>
+            <a:r>
+              <a:rPr kumimoji="1" lang="en-US" altLang="zh-CN" sz="2000" dirty="0">
+                <a:solidFill>
+                  <a:srgbClr val="0432FF"/>
+                </a:solidFill>
+              </a:rPr>
+              <a:t>=</a:t>
+            </a:r>
+            <a:r>
+              <a:rPr kumimoji="1" lang="zh-CN" altLang="en-US" sz="2000" dirty="0">
+                <a:solidFill>
+                  <a:srgbClr val="0432FF"/>
+                </a:solidFill>
+              </a:rPr>
+              <a:t> </a:t>
+            </a:r>
+            <a:r>
+              <a:rPr kumimoji="1" lang="en-US" altLang="zh-CN" sz="2000" dirty="0">
+                <a:solidFill>
+                  <a:srgbClr val="0432FF"/>
+                </a:solidFill>
+              </a:rPr>
+              <a:t>Function(”</a:t>
+            </a:r>
+            <a:r>
+              <a:rPr kumimoji="1" lang="en-US" altLang="zh-CN" sz="2000" dirty="0" err="1">
+                <a:solidFill>
+                  <a:srgbClr val="0432FF"/>
+                </a:solidFill>
+              </a:rPr>
+              <a:t>learn_logic</a:t>
+            </a:r>
+            <a:r>
+              <a:rPr kumimoji="1" lang="en-US" altLang="zh-CN" sz="2000" dirty="0">
+                <a:solidFill>
+                  <a:srgbClr val="0432FF"/>
+                </a:solidFill>
+              </a:rPr>
+              <a:t>,</a:t>
+            </a:r>
+            <a:r>
+              <a:rPr kumimoji="1" lang="zh-CN" altLang="en-US" sz="2000" dirty="0">
+                <a:solidFill>
+                  <a:srgbClr val="0432FF"/>
+                </a:solidFill>
+              </a:rPr>
+              <a:t> </a:t>
+            </a:r>
+            <a:r>
+              <a:rPr kumimoji="1" lang="en-US" altLang="zh-CN" sz="2000" dirty="0" err="1">
+                <a:solidFill>
+                  <a:srgbClr val="0432FF"/>
+                </a:solidFill>
+              </a:rPr>
+              <a:t>person_sort</a:t>
+            </a:r>
+            <a:r>
+              <a:rPr kumimoji="1" lang="en-US" altLang="zh-CN" sz="2000" dirty="0">
+                <a:solidFill>
+                  <a:srgbClr val="0432FF"/>
+                </a:solidFill>
+              </a:rPr>
+              <a:t>,</a:t>
+            </a:r>
+            <a:r>
+              <a:rPr kumimoji="1" lang="zh-CN" altLang="en-US" sz="2000" dirty="0">
+                <a:solidFill>
+                  <a:srgbClr val="0432FF"/>
+                </a:solidFill>
+              </a:rPr>
+              <a:t> </a:t>
+            </a:r>
+            <a:r>
+              <a:rPr kumimoji="1" lang="en-US" altLang="zh-CN" sz="2000" dirty="0" err="1">
+                <a:solidFill>
+                  <a:srgbClr val="0432FF"/>
+                </a:solidFill>
+              </a:rPr>
+              <a:t>boolsort</a:t>
+            </a:r>
+            <a:r>
+              <a:rPr kumimoji="1" lang="en-US" altLang="zh-CN" sz="2000" dirty="0">
+                <a:solidFill>
+                  <a:srgbClr val="0432FF"/>
+                </a:solidFill>
+              </a:rPr>
+              <a:t>())</a:t>
             </a:r>
           </a:p>
         </p:txBody>
@@ -26902,7 +27100,15 @@
             </a:r>
             <a:r>
               <a:rPr kumimoji="1" lang="en-US" altLang="zh-CN" dirty="0"/>
-              <a:t>“every student learns logic”</a:t>
+              <a:t>“every student should</a:t>
+            </a:r>
+            <a:r>
+              <a:rPr kumimoji="1" lang="zh-CN" altLang="en-US" dirty="0"/>
+              <a:t> </a:t>
+            </a:r>
+            <a:r>
+              <a:rPr kumimoji="1" lang="en-US" altLang="zh-CN" dirty="0"/>
+              <a:t>learn logic”:</a:t>
             </a:r>
           </a:p>
           <a:p>
@@ -26929,7 +27135,7 @@
                   <a:srgbClr val="0432FF"/>
                 </a:solidFill>
               </a:rPr>
-              <a:t>student_sort</a:t>
+              <a:t>person_sort</a:t>
             </a:r>
             <a:r>
               <a:rPr kumimoji="1" lang="en-US" altLang="zh-CN" dirty="0">
@@ -26974,7 +27180,7 @@
                   <a:srgbClr val="0432FF"/>
                 </a:solidFill>
               </a:rPr>
-              <a:t>student_sort</a:t>
+              <a:t>person_sort</a:t>
             </a:r>
             <a:r>
               <a:rPr kumimoji="1" lang="en-US" altLang="zh-CN" dirty="0">
@@ -27006,21 +27212,16 @@
                   <a:srgbClr val="0432FF"/>
                 </a:solidFill>
               </a:rPr>
-              <a:t>student_sort</a:t>
-            </a:r>
-            <a:r>
-              <a:rPr kumimoji="1" lang="en-US" altLang="zh-CN">
+              <a:t>person_sort</a:t>
+            </a:r>
+            <a:r>
+              <a:rPr kumimoji="1" lang="en-US" altLang="zh-CN" dirty="0">
                 <a:solidFill>
                   <a:srgbClr val="0432FF"/>
                 </a:solidFill>
               </a:rPr>
               <a:t>)))</a:t>
             </a:r>
-            <a:endParaRPr kumimoji="1" lang="en-US" altLang="zh-CN" dirty="0">
-              <a:solidFill>
-                <a:srgbClr val="0432FF"/>
-              </a:solidFill>
-            </a:endParaRPr>
           </a:p>
           <a:p>
             <a:r>

--- a/courses/theory/slides/lec08-predlogic.pptx
+++ b/courses/theory/slides/lec08-predlogic.pptx
@@ -26804,12 +26804,20 @@
               <a:t>Function(”</a:t>
             </a:r>
             <a:r>
-              <a:rPr kumimoji="1" lang="en-US" altLang="zh-CN" sz="2000">
+              <a:rPr kumimoji="1" lang="en-US" altLang="zh-CN" sz="2000" dirty="0" err="1">
                 <a:solidFill>
                   <a:srgbClr val="0432FF"/>
                 </a:solidFill>
               </a:rPr>
-              <a:t>is_student”,</a:t>
+              <a:t>is_student</a:t>
+            </a:r>
+            <a:r>
+              <a:rPr kumimoji="1" lang="en-US" altLang="zh-CN" sz="2000" dirty="0">
+                <a:solidFill>
+                  <a:srgbClr val="0432FF"/>
+                </a:solidFill>
+              </a:rPr>
+              <a:t>”,</a:t>
             </a:r>
             <a:r>
               <a:rPr kumimoji="1" lang="zh-CN" altLang="en-US" sz="2000" dirty="0">
